--- a/Hayden_deAlford_Wittlin_AdversarialBiasPresentationFINAL7.17.20.pptx
+++ b/Hayden_deAlford_Wittlin_AdversarialBiasPresentationFINAL7.17.20.pptx
@@ -8125,7 +8125,9 @@
         </p:nvSpPr>
         <p:spPr>
           <a:ln>
-            <a:noFill/>
+            <a:solidFill>
+              <a:srgbClr val="C00000"/>
+            </a:solidFill>
           </a:ln>
         </p:spPr>
         <p:txBody>
@@ -8157,6 +8159,12 @@
             <a:endParaRPr lang="en-US" sz="1800" dirty="0"/>
           </a:p>
           <a:p>
+            <a:endParaRPr lang="en-US" sz="1800" dirty="0"/>
+          </a:p>
+          <a:p>
+            <a:pPr marL="0" indent="0">
+              <a:buNone/>
+            </a:pPr>
             <a:endParaRPr lang="en-US" sz="1800" dirty="0"/>
           </a:p>
           <a:p>
@@ -8236,8 +8244,8 @@
         </p:blipFill>
         <p:spPr>
           <a:xfrm>
-            <a:off x="563241" y="2675731"/>
-            <a:ext cx="8017517" cy="1325563"/>
+            <a:off x="1042447" y="2675732"/>
+            <a:ext cx="7059105" cy="1167106"/>
           </a:xfrm>
           <a:prstGeom prst="rect">
             <a:avLst/>
@@ -8305,8 +8313,8 @@
         </p:nvSpPr>
         <p:spPr>
           <a:xfrm>
-            <a:off x="628649" y="365126"/>
-            <a:ext cx="8083835" cy="1325563"/>
+            <a:off x="367863" y="365127"/>
+            <a:ext cx="8450316" cy="959176"/>
           </a:xfrm>
         </p:spPr>
         <p:txBody>
@@ -8317,7 +8325,7 @@
           <a:p>
             <a:pPr algn="l"/>
             <a:r>
-              <a:rPr lang="en-US" dirty="0"/>
+              <a:rPr lang="en-US" sz="3200" dirty="0"/>
               <a:t>Experiment Results: Demographic Parity</a:t>
             </a:r>
           </a:p>
@@ -8334,8 +8342,14 @@
           </p:nvPr>
         </p:nvSpPr>
         <p:spPr>
+          <a:xfrm>
+            <a:off x="367863" y="1744717"/>
+            <a:ext cx="8345213" cy="4432246"/>
+          </a:xfrm>
           <a:ln>
-            <a:noFill/>
+            <a:solidFill>
+              <a:srgbClr val="C00000"/>
+            </a:solidFill>
           </a:ln>
         </p:spPr>
         <p:txBody>
@@ -8352,10 +8366,11 @@
           <a:p>
             <a:pPr lvl="1"/>
             <a:r>
-              <a:rPr lang="en-US" sz="1400" dirty="0">
+              <a:rPr lang="en-US" sz="1800" dirty="0">
                 <a:solidFill>
                   <a:schemeClr val="tx1"/>
                 </a:solidFill>
+                <a:latin typeface="Arial" panose="020B0604020202020204" pitchFamily="34" charset="0"/>
               </a:rPr>
               <a:t>Each group has equal likelihood to be assigned a positive outcome</a:t>
             </a:r>
@@ -8363,10 +8378,11 @@
           <a:p>
             <a:pPr lvl="1"/>
             <a:r>
-              <a:rPr lang="en-US" sz="1400" dirty="0">
+              <a:rPr lang="en-US" sz="1800" dirty="0">
                 <a:solidFill>
                   <a:schemeClr val="tx1"/>
                 </a:solidFill>
+                <a:latin typeface="Arial" panose="020B0604020202020204" pitchFamily="34" charset="0"/>
               </a:rPr>
               <a:t>Proportion of positive predictions in the subgroups are close to each other</a:t>
             </a:r>
@@ -8396,6 +8412,9 @@
             <a:endParaRPr lang="en-US" sz="2100" dirty="0"/>
           </a:p>
           <a:p>
+            <a:endParaRPr lang="en-US" sz="1800" dirty="0"/>
+          </a:p>
+          <a:p>
             <a:r>
               <a:rPr lang="en-US" sz="1800" dirty="0"/>
               <a:t>Fairness was compared across 7 age groups</a:t>
@@ -8428,18 +8447,6 @@
               </a:rPr>
               <a:t>accuracy decreased 2% but DP increased 6%. </a:t>
             </a:r>
-            <a:endParaRPr lang="en-US" altLang="en-US" sz="1800" b="1" dirty="0">
-              <a:latin typeface="Arial" panose="020B0604020202020204" pitchFamily="34" charset="0"/>
-            </a:endParaRPr>
-          </a:p>
-          <a:p>
-            <a:pPr>
-              <a:buClr>
-                <a:srgbClr val="C00000"/>
-              </a:buClr>
-              <a:buFont typeface="Wingdings" panose="05000000000000000000" pitchFamily="2" charset="2"/>
-              <a:buChar char="§"/>
-            </a:pPr>
             <a:endParaRPr lang="en-US" altLang="en-US" sz="2100" dirty="0">
               <a:latin typeface="Arial" panose="020B0604020202020204" pitchFamily="34" charset="0"/>
             </a:endParaRPr>
@@ -8497,8 +8504,8 @@
         </p:blipFill>
         <p:spPr>
           <a:xfrm>
-            <a:off x="594360" y="2697956"/>
-            <a:ext cx="7955280" cy="1325563"/>
+            <a:off x="579974" y="3077101"/>
+            <a:ext cx="7920990" cy="1266982"/>
           </a:xfrm>
           <a:prstGeom prst="rect">
             <a:avLst/>
@@ -8593,7 +8600,9 @@
             <a:ext cx="8382000" cy="4399189"/>
           </a:xfrm>
           <a:ln>
-            <a:noFill/>
+            <a:solidFill>
+              <a:srgbClr val="C00000"/>
+            </a:solidFill>
           </a:ln>
         </p:spPr>
         <p:txBody>
@@ -8648,7 +8657,7 @@
                   <a:srgbClr val="C00000"/>
                 </a:solidFill>
               </a:rPr>
-              <a:t>Our focus was on Age debiasing, and age bias can be prevented in deep learning models</a:t>
+              <a:t>Our focus was on Age debiasing, and how age bias can be prevented in deep learning models</a:t>
             </a:r>
           </a:p>
         </p:txBody>
@@ -8750,7 +8759,9 @@
         </p:nvSpPr>
         <p:spPr>
           <a:ln>
-            <a:noFill/>
+            <a:solidFill>
+              <a:srgbClr val="C00000"/>
+            </a:solidFill>
           </a:ln>
         </p:spPr>
         <p:txBody>
@@ -8758,6 +8769,14 @@
             <a:normAutofit/>
           </a:bodyPr>
           <a:lstStyle/>
+          <a:p>
+            <a:pPr marL="0" indent="0">
+              <a:buNone/>
+            </a:pPr>
+            <a:endParaRPr lang="en-US" altLang="en-US" sz="1800" b="1" dirty="0">
+              <a:latin typeface="Arial" panose="020B0604020202020204" pitchFamily="34" charset="0"/>
+            </a:endParaRPr>
+          </a:p>
           <a:p>
             <a:r>
               <a:rPr lang="en-US" altLang="en-US" sz="1800" b="1" dirty="0">
@@ -8813,7 +8832,7 @@
                   <a:srgbClr val="C00000"/>
                 </a:solidFill>
               </a:rPr>
-              <a:t>must not </a:t>
+              <a:t>must not</a:t>
             </a:r>
             <a:r>
               <a:rPr lang="en-US" sz="2400" b="1" dirty="0">
@@ -8821,7 +8840,7 @@
                   <a:srgbClr val="C00000"/>
                 </a:solidFill>
               </a:rPr>
-              <a:t>replace the inquisitiveness, skepticism, moral imagination, compassion, and the sensitivity to foresee consequences that humans bring to bear on machine learning.</a:t>
+              <a:t> replace the inquisitiveness, skepticism, moral imagination, compassion, and the sensitivity to foresee consequences that humans bring to bear on machine learning.</a:t>
             </a:r>
             <a:endParaRPr lang="en-US" sz="2400" dirty="0"/>
           </a:p>
@@ -10648,8 +10667,8 @@
           </a:p>
         </p:txBody>
       </p:sp>
-      <mc:AlternateContent xmlns:mc="http://schemas.openxmlformats.org/markup-compatibility/2006">
-        <mc:Choice xmlns:a14="http://schemas.microsoft.com/office/drawing/2010/main" Requires="a14">
+      <mc:AlternateContent xmlns:mc="http://schemas.openxmlformats.org/markup-compatibility/2006" xmlns:a14="http://schemas.microsoft.com/office/drawing/2010/main">
+        <mc:Choice Requires="a14">
           <p:sp>
             <p:nvSpPr>
               <p:cNvPr id="3" name="Content Placeholder 2"/>
@@ -11988,7 +12007,7 @@
             </p:txBody>
           </p:sp>
         </mc:Choice>
-        <mc:Fallback>
+        <mc:Fallback xmlns="">
           <p:sp>
             <p:nvSpPr>
               <p:cNvPr id="3" name="Content Placeholder 2"/>
@@ -12153,8 +12172,14 @@
           </p:nvPr>
         </p:nvSpPr>
         <p:spPr>
+          <a:xfrm>
+            <a:off x="628650" y="1944414"/>
+            <a:ext cx="7886700" cy="3822426"/>
+          </a:xfrm>
           <a:ln>
-            <a:noFill/>
+            <a:solidFill>
+              <a:srgbClr val="C00000"/>
+            </a:solidFill>
           </a:ln>
         </p:spPr>
         <p:txBody>
@@ -12162,6 +12187,16 @@
             <a:normAutofit/>
           </a:bodyPr>
           <a:lstStyle/>
+          <a:p>
+            <a:pPr marL="0" indent="0" algn="ctr">
+              <a:buNone/>
+            </a:pPr>
+            <a:endParaRPr lang="en-US" sz="1800" b="1" u="sng" dirty="0">
+              <a:solidFill>
+                <a:srgbClr val="C00000"/>
+              </a:solidFill>
+            </a:endParaRPr>
+          </a:p>
           <a:p>
             <a:pPr marL="0" indent="0" algn="ctr">
               <a:buNone/>
@@ -12172,7 +12207,7 @@
                   <a:srgbClr val="C00000"/>
                 </a:solidFill>
               </a:rPr>
-              <a:t>Goal: Improve group fairness based on demographic parity</a:t>
+              <a:t>Goal:  Improve group fairness based on demographic parity</a:t>
             </a:r>
           </a:p>
           <a:p>

--- a/Hayden_deAlford_Wittlin_AdversarialBiasPresentationFINAL7.17.20.pptx
+++ b/Hayden_deAlford_Wittlin_AdversarialBiasPresentationFINAL7.17.20.pptx
@@ -4669,9 +4669,22 @@
             </a:r>
           </a:p>
           <a:p>
-            <a:pPr marL="171450" indent="-171450">
+            <a:pPr marL="171450" marR="0" lvl="0" indent="-171450" algn="l" defTabSz="914400" rtl="0" eaLnBrk="1" fontAlgn="auto" latinLnBrk="0" hangingPunct="1">
+              <a:lnSpc>
+                <a:spcPct val="100000"/>
+              </a:lnSpc>
+              <a:spcBef>
+                <a:spcPts val="0"/>
+              </a:spcBef>
+              <a:spcAft>
+                <a:spcPts val="0"/>
+              </a:spcAft>
+              <a:buClrTx/>
+              <a:buSzTx/>
               <a:buFont typeface="Arial" panose="020B0604020202020204" pitchFamily="34" charset="0"/>
               <a:buChar char="•"/>
+              <a:tabLst/>
+              <a:defRPr/>
             </a:pPr>
             <a:r>
               <a:rPr lang="en-US" sz="1200" kern="1200" dirty="0">
@@ -4683,7 +4696,7 @@
                 <a:ea typeface="+mn-ea"/>
                 <a:cs typeface="+mn-cs"/>
               </a:rPr>
-              <a:t>The prediction algorithm is the same as in our baseline  except the weights are modified from the MSE loss function as well as its original loss function .  </a:t>
+              <a:t>The prediction algorithm is the same as in our baseline  except the weights are modified from the MSE loss function (Batch training Step 2) as well as its original loss function for batch training (Step1).  </a:t>
             </a:r>
           </a:p>
           <a:p>
@@ -10330,12 +10343,47 @@
           </a:prstGeom>
         </p:spPr>
       </p:pic>
+      <p:sp>
+        <p:nvSpPr>
+          <p:cNvPr id="3" name="Rectangle 2">
+            <a:extLst>
+              <a:ext uri="{FF2B5EF4-FFF2-40B4-BE49-F238E27FC236}">
+                <a16:creationId xmlns:a16="http://schemas.microsoft.com/office/drawing/2014/main" id="{15150E90-E2D5-43EA-89FB-C6DF5F343F67}"/>
+              </a:ext>
+            </a:extLst>
+          </p:cNvPr>
+          <p:cNvSpPr/>
+          <p:nvPr/>
+        </p:nvSpPr>
+        <p:spPr>
+          <a:xfrm>
+            <a:off x="2881505" y="1212573"/>
+            <a:ext cx="3380990" cy="369332"/>
+          </a:xfrm>
+          <a:prstGeom prst="rect">
+            <a:avLst/>
+          </a:prstGeom>
+        </p:spPr>
+        <p:txBody>
+          <a:bodyPr wrap="none">
+            <a:spAutoFit/>
+          </a:bodyPr>
+          <a:lstStyle/>
+          <a:p>
+            <a:pPr algn="ctr"/>
+            <a:r>
+              <a:rPr lang="en-US" dirty="0"/>
+              <a:t>Understanding Employee Attrition</a:t>
+            </a:r>
+          </a:p>
+        </p:txBody>
+      </p:sp>
       <p:pic>
         <p:nvPicPr>
-          <p:cNvPr id="6" name="Picture 5">
+          <p:cNvPr id="8" name="Picture 7">
             <a:extLst>
               <a:ext uri="{FF2B5EF4-FFF2-40B4-BE49-F238E27FC236}">
-                <a16:creationId xmlns:a16="http://schemas.microsoft.com/office/drawing/2014/main" id="{C3417FC0-90B7-41F0-B8E2-44E7EC94EE32}"/>
+                <a16:creationId xmlns:a16="http://schemas.microsoft.com/office/drawing/2014/main" id="{2B163ADF-31E4-475D-B36B-00E93AED0E56}"/>
               </a:ext>
             </a:extLst>
           </p:cNvPr>
@@ -10352,49 +10400,14 @@
         </p:blipFill>
         <p:spPr>
           <a:xfrm>
-            <a:off x="5776965" y="2201663"/>
-            <a:ext cx="3110898" cy="3927853"/>
+            <a:off x="5867111" y="2318835"/>
+            <a:ext cx="2710116" cy="3927854"/>
           </a:xfrm>
           <a:prstGeom prst="rect">
             <a:avLst/>
           </a:prstGeom>
         </p:spPr>
       </p:pic>
-      <p:sp>
-        <p:nvSpPr>
-          <p:cNvPr id="3" name="Rectangle 2">
-            <a:extLst>
-              <a:ext uri="{FF2B5EF4-FFF2-40B4-BE49-F238E27FC236}">
-                <a16:creationId xmlns:a16="http://schemas.microsoft.com/office/drawing/2014/main" id="{15150E90-E2D5-43EA-89FB-C6DF5F343F67}"/>
-              </a:ext>
-            </a:extLst>
-          </p:cNvPr>
-          <p:cNvSpPr/>
-          <p:nvPr/>
-        </p:nvSpPr>
-        <p:spPr>
-          <a:xfrm>
-            <a:off x="2881505" y="1212573"/>
-            <a:ext cx="3380990" cy="369332"/>
-          </a:xfrm>
-          <a:prstGeom prst="rect">
-            <a:avLst/>
-          </a:prstGeom>
-        </p:spPr>
-        <p:txBody>
-          <a:bodyPr wrap="none">
-            <a:spAutoFit/>
-          </a:bodyPr>
-          <a:lstStyle/>
-          <a:p>
-            <a:pPr algn="ctr"/>
-            <a:r>
-              <a:rPr lang="en-US" dirty="0"/>
-              <a:t>Understanding Employee Attrition</a:t>
-            </a:r>
-          </a:p>
-        </p:txBody>
-      </p:sp>
     </p:spTree>
     <p:extLst>
       <p:ext uri="{BB962C8B-B14F-4D97-AF65-F5344CB8AC3E}">
@@ -12070,10 +12083,10 @@
       </p:sp>
       <p:pic>
         <p:nvPicPr>
-          <p:cNvPr id="6" name="Picture 5" descr="A picture containing clock&#10;&#10;Description automatically generated">
+          <p:cNvPr id="7" name="Picture 6" descr="A close up of a logo&#10;&#10;Description automatically generated">
             <a:extLst>
               <a:ext uri="{FF2B5EF4-FFF2-40B4-BE49-F238E27FC236}">
-                <a16:creationId xmlns:a16="http://schemas.microsoft.com/office/drawing/2014/main" id="{38330322-9603-44D7-8025-3DB06390BD17}"/>
+                <a16:creationId xmlns:a16="http://schemas.microsoft.com/office/drawing/2014/main" id="{A1457A41-A57C-405F-A8F9-42C72D6AC82E}"/>
               </a:ext>
             </a:extLst>
           </p:cNvPr>
@@ -12090,8 +12103,8 @@
         </p:blipFill>
         <p:spPr>
           <a:xfrm>
-            <a:off x="5270642" y="3558313"/>
-            <a:ext cx="3614576" cy="2711963"/>
+            <a:off x="5263274" y="3578297"/>
+            <a:ext cx="3578217" cy="2684683"/>
           </a:xfrm>
           <a:prstGeom prst="rect">
             <a:avLst/>

--- a/Hayden_deAlford_Wittlin_AdversarialBiasPresentationFINAL7.17.20.pptx
+++ b/Hayden_deAlford_Wittlin_AdversarialBiasPresentationFINAL7.17.20.pptx
@@ -3680,6 +3680,90 @@
 </p:notes>
 </file>
 
+<file path=ppt/notesSlides/notesSlide14.xml><?xml version="1.0" encoding="utf-8"?>
+<p:notes xmlns:a="http://schemas.openxmlformats.org/drawingml/2006/main" xmlns:r="http://schemas.openxmlformats.org/officeDocument/2006/relationships" xmlns:p="http://schemas.openxmlformats.org/presentationml/2006/main">
+  <p:cSld>
+    <p:spTree>
+      <p:nvGrpSpPr>
+        <p:cNvPr id="1" name=""/>
+        <p:cNvGrpSpPr/>
+        <p:nvPr/>
+      </p:nvGrpSpPr>
+      <p:grpSpPr>
+        <a:xfrm>
+          <a:off x="0" y="0"/>
+          <a:ext cx="0" cy="0"/>
+          <a:chOff x="0" y="0"/>
+          <a:chExt cx="0" cy="0"/>
+        </a:xfrm>
+      </p:grpSpPr>
+      <p:sp>
+        <p:nvSpPr>
+          <p:cNvPr id="2" name="Slide Image Placeholder 1"/>
+          <p:cNvSpPr>
+            <a:spLocks noGrp="1" noRot="1" noChangeAspect="1"/>
+          </p:cNvSpPr>
+          <p:nvPr>
+            <p:ph type="sldImg"/>
+          </p:nvPr>
+        </p:nvSpPr>
+        <p:spPr/>
+      </p:sp>
+      <p:sp>
+        <p:nvSpPr>
+          <p:cNvPr id="3" name="Notes Placeholder 2"/>
+          <p:cNvSpPr>
+            <a:spLocks noGrp="1"/>
+          </p:cNvSpPr>
+          <p:nvPr>
+            <p:ph type="body" idx="1"/>
+          </p:nvPr>
+        </p:nvSpPr>
+        <p:spPr/>
+        <p:txBody>
+          <a:bodyPr/>
+          <a:lstStyle/>
+          <a:p>
+            <a:endParaRPr lang="en-US" dirty="0"/>
+          </a:p>
+        </p:txBody>
+      </p:sp>
+      <p:sp>
+        <p:nvSpPr>
+          <p:cNvPr id="4" name="Slide Number Placeholder 3"/>
+          <p:cNvSpPr>
+            <a:spLocks noGrp="1"/>
+          </p:cNvSpPr>
+          <p:nvPr>
+            <p:ph type="sldNum" sz="quarter" idx="5"/>
+          </p:nvPr>
+        </p:nvSpPr>
+        <p:spPr/>
+        <p:txBody>
+          <a:bodyPr/>
+          <a:lstStyle/>
+          <a:p>
+            <a:fld id="{BAA9633A-392A-4347-9D1C-FF5FFE9476B1}" type="slidenum">
+              <a:rPr lang="en-US" smtClean="0"/>
+              <a:t>14</a:t>
+            </a:fld>
+            <a:endParaRPr lang="en-US"/>
+          </a:p>
+        </p:txBody>
+      </p:sp>
+    </p:spTree>
+    <p:extLst>
+      <p:ext uri="{BB962C8B-B14F-4D97-AF65-F5344CB8AC3E}">
+        <p14:creationId xmlns:p14="http://schemas.microsoft.com/office/powerpoint/2010/main" val="3572070730"/>
+      </p:ext>
+    </p:extLst>
+  </p:cSld>
+  <p:clrMapOvr>
+    <a:masterClrMapping/>
+  </p:clrMapOvr>
+</p:notes>
+</file>
+
 <file path=ppt/notesSlides/notesSlide2.xml><?xml version="1.0" encoding="utf-8"?>
 <p:notes xmlns:a="http://schemas.openxmlformats.org/drawingml/2006/main" xmlns:r="http://schemas.openxmlformats.org/officeDocument/2006/relationships" xmlns:p="http://schemas.openxmlformats.org/presentationml/2006/main">
   <p:cSld>
@@ -8951,10 +9035,10 @@
       </p:sp>
       <p:pic>
         <p:nvPicPr>
-          <p:cNvPr id="4" name="Picture 3">
+          <p:cNvPr id="7" name="Picture 6">
             <a:extLst>
               <a:ext uri="{FF2B5EF4-FFF2-40B4-BE49-F238E27FC236}">
-                <a16:creationId xmlns:a16="http://schemas.microsoft.com/office/drawing/2014/main" id="{D1995AE5-AA2A-4A34-84BD-6120226D2251}"/>
+                <a16:creationId xmlns:a16="http://schemas.microsoft.com/office/drawing/2014/main" id="{3C12BE07-4877-4C1E-9296-8EB25DE7B925}"/>
               </a:ext>
             </a:extLst>
           </p:cNvPr>
@@ -8964,15 +9048,15 @@
           <p:nvPr/>
         </p:nvPicPr>
         <p:blipFill>
-          <a:blip r:embed="rId2"/>
+          <a:blip r:embed="rId3"/>
           <a:stretch>
             <a:fillRect/>
           </a:stretch>
         </p:blipFill>
         <p:spPr>
           <a:xfrm>
-            <a:off x="0" y="136524"/>
-            <a:ext cx="9144000" cy="5933872"/>
+            <a:off x="0" y="0"/>
+            <a:ext cx="9144000" cy="6223819"/>
           </a:xfrm>
           <a:prstGeom prst="rect">
             <a:avLst/>

--- a/Hayden_deAlford_Wittlin_AdversarialBiasPresentationFINAL7.17.20.pptx
+++ b/Hayden_deAlford_Wittlin_AdversarialBiasPresentationFINAL7.17.20.pptx
@@ -2816,7 +2816,7 @@
           <a:p>
             <a:fld id="{B396B5A3-AF43-479E-9C22-4DC81E7AE6EB}" type="datetimeFigureOut">
               <a:rPr lang="en-US" smtClean="0"/>
-              <a:t>7/16/2020</a:t>
+              <a:t>7/17/2020</a:t>
             </a:fld>
             <a:endParaRPr lang="en-US"/>
           </a:p>
@@ -2993,7 +2993,7 @@
           <a:p>
             <a:fld id="{935336F5-A68D-9A4A-83AB-B8CD6FA5C732}" type="datetimeFigureOut">
               <a:rPr lang="en-US" smtClean="0"/>
-              <a:t>7/16/2020</a:t>
+              <a:t>7/17/2020</a:t>
             </a:fld>
             <a:endParaRPr lang="en-US"/>
           </a:p>
@@ -5206,7 +5206,7 @@
           <a:p>
             <a:fld id="{D8AC05B1-2526-7C44-8A74-66C916069F4A}" type="datetime1">
               <a:rPr lang="en-US" smtClean="0"/>
-              <a:t>7/16/2020</a:t>
+              <a:t>7/17/2020</a:t>
             </a:fld>
             <a:endParaRPr lang="en-US"/>
           </a:p>
@@ -5397,7 +5397,7 @@
           <a:p>
             <a:fld id="{C0E5C021-D243-504D-84B8-D45D829E8B6B}" type="datetime1">
               <a:rPr lang="en-US" smtClean="0"/>
-              <a:t>7/16/2020</a:t>
+              <a:t>7/17/2020</a:t>
             </a:fld>
             <a:endParaRPr lang="en-US"/>
           </a:p>
@@ -5578,7 +5578,7 @@
           <a:p>
             <a:fld id="{B6F93F85-28A1-8344-9763-EF19E19F9128}" type="datetime1">
               <a:rPr lang="en-US" smtClean="0"/>
-              <a:t>7/16/2020</a:t>
+              <a:t>7/17/2020</a:t>
             </a:fld>
             <a:endParaRPr lang="en-US"/>
           </a:p>
@@ -5842,7 +5842,7 @@
           <a:p>
             <a:fld id="{A2B5E9FB-9AD4-754B-A772-6D3733DD5BAC}" type="datetime1">
               <a:rPr lang="en-US" smtClean="0"/>
-              <a:t>7/16/2020</a:t>
+              <a:t>7/17/2020</a:t>
             </a:fld>
             <a:endParaRPr lang="en-US"/>
           </a:p>
@@ -6085,7 +6085,7 @@
           <a:p>
             <a:fld id="{3140DF9E-9222-EE48-A64D-28DE5FAE4784}" type="datetime1">
               <a:rPr lang="en-US" smtClean="0"/>
-              <a:t>7/16/2020</a:t>
+              <a:t>7/17/2020</a:t>
             </a:fld>
             <a:endParaRPr lang="en-US"/>
           </a:p>
@@ -6463,7 +6463,7 @@
           <a:p>
             <a:fld id="{A61490FA-57A5-0041-9FDC-ACD83A9AA0E7}" type="datetime1">
               <a:rPr lang="en-US" smtClean="0"/>
-              <a:t>7/16/2020</a:t>
+              <a:t>7/17/2020</a:t>
             </a:fld>
             <a:endParaRPr lang="en-US"/>
           </a:p>
@@ -6592,7 +6592,7 @@
           <a:p>
             <a:fld id="{7E8290BC-2F66-E549-BF33-0BE20A5801B5}" type="datetime1">
               <a:rPr lang="en-US" smtClean="0"/>
-              <a:t>7/16/2020</a:t>
+              <a:t>7/17/2020</a:t>
             </a:fld>
             <a:endParaRPr lang="en-US"/>
           </a:p>
@@ -6698,7 +6698,7 @@
           <a:p>
             <a:fld id="{3BC728CC-7587-8545-9431-C9A8BB34EC62}" type="datetime1">
               <a:rPr lang="en-US" smtClean="0"/>
-              <a:t>7/16/2020</a:t>
+              <a:t>7/17/2020</a:t>
             </a:fld>
             <a:endParaRPr lang="en-US"/>
           </a:p>
@@ -6986,7 +6986,7 @@
           <a:p>
             <a:fld id="{9A66CD15-5422-0542-9CE8-BC312846333A}" type="datetime1">
               <a:rPr lang="en-US" smtClean="0"/>
-              <a:t>7/16/2020</a:t>
+              <a:t>7/17/2020</a:t>
             </a:fld>
             <a:endParaRPr lang="en-US"/>
           </a:p>
@@ -7254,7 +7254,7 @@
           <a:p>
             <a:fld id="{2A2384D1-AE54-4D4A-B83F-6EAD03BEB987}" type="datetime1">
               <a:rPr lang="en-US" smtClean="0"/>
-              <a:t>7/16/2020</a:t>
+              <a:t>7/17/2020</a:t>
             </a:fld>
             <a:endParaRPr lang="en-US"/>
           </a:p>
@@ -8221,6 +8221,10 @@
           </p:nvPr>
         </p:nvSpPr>
         <p:spPr>
+          <a:xfrm>
+            <a:off x="628650" y="1690689"/>
+            <a:ext cx="7886700" cy="4519449"/>
+          </a:xfrm>
           <a:ln>
             <a:solidFill>
               <a:srgbClr val="C00000"/>
@@ -8341,7 +8345,7 @@
         </p:blipFill>
         <p:spPr>
           <a:xfrm>
-            <a:off x="1042447" y="2675732"/>
+            <a:off x="1042447" y="3013612"/>
             <a:ext cx="7059105" cy="1167106"/>
           </a:xfrm>
           <a:prstGeom prst="rect">
@@ -8440,8 +8444,8 @@
         </p:nvSpPr>
         <p:spPr>
           <a:xfrm>
-            <a:off x="367863" y="1744717"/>
-            <a:ext cx="8345213" cy="4432246"/>
+            <a:off x="367863" y="1492469"/>
+            <a:ext cx="8345213" cy="4684494"/>
           </a:xfrm>
           <a:ln>
             <a:solidFill>
@@ -8451,9 +8455,12 @@
         </p:spPr>
         <p:txBody>
           <a:bodyPr>
-            <a:normAutofit/>
+            <a:normAutofit lnSpcReduction="10000"/>
           </a:bodyPr>
           <a:lstStyle/>
+          <a:p>
+            <a:endParaRPr lang="en-US" sz="1800" b="1" dirty="0"/>
+          </a:p>
           <a:p>
             <a:r>
               <a:rPr lang="en-US" sz="1800" b="1" dirty="0"/>
@@ -8601,7 +8608,7 @@
         </p:blipFill>
         <p:spPr>
           <a:xfrm>
-            <a:off x="579974" y="3077101"/>
+            <a:off x="579974" y="2940466"/>
             <a:ext cx="7920990" cy="1266982"/>
           </a:xfrm>
           <a:prstGeom prst="rect">
@@ -12316,7 +12323,7 @@
           <a:p>
             <a:r>
               <a:rPr lang="en-US" sz="1800" dirty="0"/>
-              <a:t>Calculated standard metrics to evaluate performance</a:t>
+              <a:t>Evaluated differences in accuracy and demographic parity between the baseline model and the GAN model</a:t>
             </a:r>
             <a:br>
               <a:rPr lang="en-US" sz="1800" dirty="0"/>
@@ -12326,7 +12333,7 @@
           <a:p>
             <a:r>
               <a:rPr lang="en-US" sz="1800" dirty="0"/>
-              <a:t>Calculated several other metrics to evaluate group fairness</a:t>
+              <a:t>Calculated standard metrics to evaluate performance</a:t>
             </a:r>
             <a:br>
               <a:rPr lang="en-US" sz="1800" dirty="0"/>
@@ -12336,7 +12343,7 @@
           <a:p>
             <a:r>
               <a:rPr lang="en-US" sz="1800" dirty="0"/>
-              <a:t>Metrics were calculated for 7 age groups in 5-years increments</a:t>
+              <a:t>Calculated several other metrics to evaluate group fairness</a:t>
             </a:r>
             <a:br>
               <a:rPr lang="en-US" sz="1800" dirty="0"/>
@@ -12346,8 +12353,12 @@
           <a:p>
             <a:r>
               <a:rPr lang="en-US" sz="1800" dirty="0"/>
-              <a:t>Evaluated differences in accuracy and demographic parity between the baseline model and the GAN model</a:t>
-            </a:r>
+              <a:t>Metrics were calculated for 7 age groups in 5-years increments</a:t>
+            </a:r>
+            <a:br>
+              <a:rPr lang="en-US" sz="1800" dirty="0"/>
+            </a:br>
+            <a:endParaRPr lang="en-US" sz="1800" dirty="0"/>
           </a:p>
         </p:txBody>
       </p:sp>

--- a/Hayden_deAlford_Wittlin_AdversarialBiasPresentationFINAL7.17.20.pptx
+++ b/Hayden_deAlford_Wittlin_AdversarialBiasPresentationFINAL7.17.20.pptx
@@ -8222,7 +8222,7 @@
         </p:nvSpPr>
         <p:spPr>
           <a:xfrm>
-            <a:off x="628650" y="1690689"/>
+            <a:off x="628650" y="1606597"/>
             <a:ext cx="7886700" cy="4519449"/>
           </a:xfrm>
           <a:ln>
@@ -8249,6 +8249,10 @@
               <a:rPr lang="en-US" sz="1800" dirty="0"/>
               <a:t> of both models when predicting Attrition</a:t>
             </a:r>
+            <a:br>
+              <a:rPr lang="en-US" sz="1800" dirty="0"/>
+            </a:br>
+            <a:endParaRPr lang="en-US" sz="1800" dirty="0"/>
           </a:p>
           <a:p>
             <a:r>
@@ -8269,9 +8273,12 @@
             <a:endParaRPr lang="en-US" sz="1800" dirty="0"/>
           </a:p>
           <a:p>
-            <a:endParaRPr lang="en-US" sz="1800" dirty="0"/>
-          </a:p>
-          <a:p>
+            <a:pPr marL="0" indent="0">
+              <a:buNone/>
+            </a:pPr>
+            <a:br>
+              <a:rPr lang="en-US" sz="1800" dirty="0"/>
+            </a:br>
             <a:endParaRPr lang="en-US" sz="1800" dirty="0"/>
           </a:p>
           <a:p>
@@ -8283,6 +8290,12 @@
           <a:p>
             <a:r>
               <a:rPr lang="en-US" sz="1800" dirty="0"/>
+              <a:t>Accuracy from GAN was lower across all groups</a:t>
+            </a:r>
+          </a:p>
+          <a:p>
+            <a:r>
+              <a:rPr lang="en-US" sz="1800" dirty="0"/>
               <a:t>Groups less than 35 and older population over 50, resulted in a lower accuracy on Attrition</a:t>
             </a:r>
           </a:p>
@@ -8293,10 +8306,10 @@
             </a:r>
           </a:p>
           <a:p>
-            <a:r>
-              <a:rPr lang="en-US" sz="1800" dirty="0"/>
-              <a:t>Accuracy from GAN was lower across all groups</a:t>
-            </a:r>
+            <a:pPr marL="0" indent="0">
+              <a:buNone/>
+            </a:pPr>
+            <a:endParaRPr lang="en-US" sz="1800" dirty="0"/>
           </a:p>
         </p:txBody>
       </p:sp>
@@ -8345,7 +8358,7 @@
         </p:blipFill>
         <p:spPr>
           <a:xfrm>
-            <a:off x="1042447" y="3013612"/>
+            <a:off x="1042447" y="2845447"/>
             <a:ext cx="7059105" cy="1167106"/>
           </a:xfrm>
           <a:prstGeom prst="rect">
@@ -8444,8 +8457,8 @@
         </p:nvSpPr>
         <p:spPr>
           <a:xfrm>
-            <a:off x="367863" y="1492469"/>
-            <a:ext cx="8345213" cy="4684494"/>
+            <a:off x="367863" y="1324303"/>
+            <a:ext cx="8345213" cy="4939863"/>
           </a:xfrm>
           <a:ln>
             <a:solidFill>
@@ -8459,9 +8472,6 @@
           </a:bodyPr>
           <a:lstStyle/>
           <a:p>
-            <a:endParaRPr lang="en-US" sz="1800" b="1" dirty="0"/>
-          </a:p>
-          <a:p>
             <a:r>
               <a:rPr lang="en-US" sz="1800" b="1" dirty="0"/>
               <a:t>Demographic Parity (DP) is achieved when:</a:t>
@@ -8488,7 +8498,7 @@
                 </a:solidFill>
                 <a:latin typeface="Arial" panose="020B0604020202020204" pitchFamily="34" charset="0"/>
               </a:rPr>
-              <a:t>Proportion of positive predictions in the subgroups are close to each other</a:t>
+              <a:t>Proportion of positive predictions in the subgroups is close to each other</a:t>
             </a:r>
           </a:p>
           <a:p>
@@ -8523,20 +8533,67 @@
               <a:rPr lang="en-US" sz="1800" dirty="0"/>
               <a:t>Fairness was compared across 7 age groups</a:t>
             </a:r>
+            <a:br>
+              <a:rPr lang="en-US" sz="1800" dirty="0"/>
+            </a:br>
+            <a:endParaRPr lang="en-US" sz="1800" dirty="0"/>
           </a:p>
           <a:p>
             <a:r>
               <a:rPr lang="en-US" altLang="en-US" sz="1800" b="1" dirty="0">
                 <a:latin typeface="Arial" panose="020B0604020202020204" pitchFamily="34" charset="0"/>
               </a:rPr>
-              <a:t>Improved DP range Pre-GAN for all groups</a:t>
+              <a:t>Improved </a:t>
+            </a:r>
+            <a:r>
+              <a:rPr lang="en-US" altLang="en-US" sz="1800" b="1" u="sng" dirty="0">
+                <a:latin typeface="Arial" panose="020B0604020202020204" pitchFamily="34" charset="0"/>
+              </a:rPr>
+              <a:t>DP</a:t>
+            </a:r>
+            <a:r>
+              <a:rPr lang="en-US" altLang="en-US" sz="1800" b="1" dirty="0">
+                <a:latin typeface="Arial" panose="020B0604020202020204" pitchFamily="34" charset="0"/>
+              </a:rPr>
+              <a:t> range across all groups: </a:t>
+            </a:r>
+          </a:p>
+          <a:p>
+            <a:pPr marL="0" indent="0">
+              <a:buNone/>
+            </a:pPr>
+            <a:r>
+              <a:rPr lang="en-US" altLang="en-US" sz="1800" b="1" dirty="0">
+                <a:latin typeface="Arial" panose="020B0604020202020204" pitchFamily="34" charset="0"/>
+              </a:rPr>
+              <a:t>    	Baseline </a:t>
             </a:r>
             <a:r>
               <a:rPr lang="en-US" altLang="en-US" sz="1800" dirty="0">
                 <a:latin typeface="Arial" panose="020B0604020202020204" pitchFamily="34" charset="0"/>
               </a:rPr>
-              <a:t> between  94-100%; Post-GAN range 98-100%</a:t>
-            </a:r>
+              <a:t>between  94-100%;  </a:t>
+            </a:r>
+            <a:r>
+              <a:rPr lang="en-US" altLang="en-US" sz="1800" b="1" dirty="0">
+                <a:latin typeface="Arial" panose="020B0604020202020204" pitchFamily="34" charset="0"/>
+              </a:rPr>
+              <a:t>Post-GAN</a:t>
+            </a:r>
+            <a:r>
+              <a:rPr lang="en-US" altLang="en-US" sz="1800" dirty="0">
+                <a:latin typeface="Arial" panose="020B0604020202020204" pitchFamily="34" charset="0"/>
+              </a:rPr>
+              <a:t> range 98-100%</a:t>
+            </a:r>
+            <a:br>
+              <a:rPr lang="en-US" altLang="en-US" sz="1800" dirty="0">
+                <a:latin typeface="Arial" panose="020B0604020202020204" pitchFamily="34" charset="0"/>
+              </a:rPr>
+            </a:br>
+            <a:endParaRPr lang="en-US" altLang="en-US" sz="1800" dirty="0">
+              <a:latin typeface="Arial" panose="020B0604020202020204" pitchFamily="34" charset="0"/>
+            </a:endParaRPr>
           </a:p>
           <a:p>
             <a:r>
@@ -8545,15 +8602,36 @@
               </a:rPr>
               <a:t>Small trade-off between Accuracy and Fairness Post-GAN: </a:t>
             </a:r>
+          </a:p>
+          <a:p>
+            <a:pPr marL="0" indent="0">
+              <a:buNone/>
+            </a:pPr>
+            <a:r>
+              <a:rPr lang="en-US" altLang="en-US" sz="1800" b="1" dirty="0">
+                <a:latin typeface="Arial" panose="020B0604020202020204" pitchFamily="34" charset="0"/>
+              </a:rPr>
+              <a:t> 	</a:t>
+            </a:r>
             <a:r>
               <a:rPr lang="en-US" altLang="en-US" sz="1800" dirty="0">
                 <a:latin typeface="Arial" panose="020B0604020202020204" pitchFamily="34" charset="0"/>
               </a:rPr>
-              <a:t>accuracy decreased 2% but DP increased 6%. </a:t>
-            </a:r>
-            <a:endParaRPr lang="en-US" altLang="en-US" sz="2100" dirty="0">
-              <a:latin typeface="Arial" panose="020B0604020202020204" pitchFamily="34" charset="0"/>
-            </a:endParaRPr>
+              <a:t>Accuracy decreased 2% but </a:t>
+            </a:r>
+            <a:r>
+              <a:rPr lang="en-US" altLang="en-US" sz="1800" u="sng" dirty="0">
+                <a:latin typeface="Arial" panose="020B0604020202020204" pitchFamily="34" charset="0"/>
+              </a:rPr>
+              <a:t>DP</a:t>
+            </a:r>
+            <a:r>
+              <a:rPr lang="en-US" altLang="en-US" sz="1800" dirty="0">
+                <a:latin typeface="Arial" panose="020B0604020202020204" pitchFamily="34" charset="0"/>
+              </a:rPr>
+              <a:t> increased 6%. </a:t>
+            </a:r>
+            <a:endParaRPr lang="en-US" sz="2400" dirty="0"/>
           </a:p>
           <a:p>
             <a:endParaRPr lang="en-US" sz="2400" dirty="0"/>
@@ -8608,7 +8686,7 @@
         </p:blipFill>
         <p:spPr>
           <a:xfrm>
-            <a:off x="579974" y="2940466"/>
+            <a:off x="579974" y="2380107"/>
             <a:ext cx="7920990" cy="1266982"/>
           </a:xfrm>
           <a:prstGeom prst="rect">
@@ -8717,7 +8795,15 @@
           <a:p>
             <a:r>
               <a:rPr lang="en-US" sz="1800" dirty="0"/>
-              <a:t>Achieved Demographic Parity based on results from a comparative analysis between the baseline model and the GAN model</a:t>
+              <a:t>Achieved </a:t>
+            </a:r>
+            <a:r>
+              <a:rPr lang="en-US" sz="1800" b="1" dirty="0"/>
+              <a:t>Demographic Parity </a:t>
+            </a:r>
+            <a:r>
+              <a:rPr lang="en-US" sz="1800" dirty="0"/>
+              <a:t>based on results from a comparative analysis between the baseline model and the GAN model</a:t>
             </a:r>
           </a:p>
           <a:p>
@@ -8726,10 +8812,11 @@
           <a:p>
             <a:r>
               <a:rPr lang="en-US" sz="1800" dirty="0"/>
-              <a:t>More balanced distribution across age groups in the data</a:t>
-            </a:r>
-          </a:p>
-          <a:p>
+              <a:t>A more balanced distribution across age groups in the data may have helped</a:t>
+            </a:r>
+            <a:br>
+              <a:rPr lang="en-US" sz="1800" dirty="0"/>
+            </a:br>
             <a:endParaRPr lang="en-US" sz="1800" dirty="0"/>
           </a:p>
           <a:p>
@@ -8743,8 +8830,12 @@
           </a:p>
           <a:p>
             <a:r>
+              <a:rPr lang="en-US" sz="1800" b="1" dirty="0"/>
+              <a:t>Most adversarial debiasing work focused </a:t>
+            </a:r>
+            <a:r>
               <a:rPr lang="en-US" sz="1800" dirty="0"/>
-              <a:t>Most adversarial debiasing work focused on protected groups such as race, sex and gender bias</a:t>
+              <a:t>on protected groups such as race, sex and gender bias</a:t>
             </a:r>
           </a:p>
           <a:p>
@@ -8761,7 +8852,31 @@
                   <a:srgbClr val="C00000"/>
                 </a:solidFill>
               </a:rPr>
-              <a:t>Our focus was on Age debiasing, and how age bias can be prevented in deep learning models</a:t>
+              <a:t>Our focus was on </a:t>
+            </a:r>
+            <a:r>
+              <a:rPr lang="en-US" sz="1800" u="sng" dirty="0">
+                <a:solidFill>
+                  <a:srgbClr val="C00000"/>
+                </a:solidFill>
+              </a:rPr>
+              <a:t>Age debiasing</a:t>
+            </a:r>
+            <a:r>
+              <a:rPr lang="en-US" sz="1800" dirty="0">
+                <a:solidFill>
+                  <a:srgbClr val="C00000"/>
+                </a:solidFill>
+              </a:rPr>
+              <a:t>, and how age bias can be </a:t>
+            </a:r>
+            <a:r>
+              <a:rPr lang="en-US" sz="1800" u="sng" dirty="0">
+                <a:solidFill>
+                  <a:srgbClr val="C00000"/>
+                </a:solidFill>
+              </a:rPr>
+              <a:t>prevented in deep learning models</a:t>
             </a:r>
           </a:p>
         </p:txBody>
@@ -8944,7 +9059,23 @@
                   <a:srgbClr val="C00000"/>
                 </a:solidFill>
               </a:rPr>
-              <a:t> replace the inquisitiveness, skepticism, moral imagination, compassion, and the sensitivity to foresee consequences that humans bring to bear on machine learning.</a:t>
+              <a:t> replace the inquisitiveness, skepticism, moral imagination, compassion, and the sensitivity to foresee consequences that </a:t>
+            </a:r>
+            <a:r>
+              <a:rPr lang="en-US" sz="2400" b="1" u="sng" dirty="0">
+                <a:solidFill>
+                  <a:srgbClr val="C00000"/>
+                </a:solidFill>
+              </a:rPr>
+              <a:t>humans</a:t>
+            </a:r>
+            <a:r>
+              <a:rPr lang="en-US" sz="2400" b="1" dirty="0">
+                <a:solidFill>
+                  <a:srgbClr val="C00000"/>
+                </a:solidFill>
+              </a:rPr>
+              <a:t> bring to bear on machine learning.</a:t>
             </a:r>
             <a:endParaRPr lang="en-US" sz="2400" dirty="0"/>
           </a:p>
@@ -12323,7 +12454,23 @@
           <a:p>
             <a:r>
               <a:rPr lang="en-US" sz="1800" dirty="0"/>
-              <a:t>Evaluated differences in accuracy and demographic parity between the baseline model and the GAN model</a:t>
+              <a:t>Evaluated differences in </a:t>
+            </a:r>
+            <a:r>
+              <a:rPr lang="en-US" sz="1800" b="1" dirty="0"/>
+              <a:t>accuracy</a:t>
+            </a:r>
+            <a:r>
+              <a:rPr lang="en-US" sz="1800" dirty="0"/>
+              <a:t> and </a:t>
+            </a:r>
+            <a:r>
+              <a:rPr lang="en-US" sz="1800" b="1" dirty="0"/>
+              <a:t>demographic parity </a:t>
+            </a:r>
+            <a:r>
+              <a:rPr lang="en-US" sz="1800" dirty="0"/>
+              <a:t>between the baseline model and a GAN model</a:t>
             </a:r>
             <a:br>
               <a:rPr lang="en-US" sz="1800" dirty="0"/>

--- a/Hayden_deAlford_Wittlin_AdversarialBiasPresentationFINAL7.17.20.pptx
+++ b/Hayden_deAlford_Wittlin_AdversarialBiasPresentationFINAL7.17.20.pptx
@@ -5,10 +5,10 @@
     <p:sldMasterId id="2147483660" r:id="rId1"/>
   </p:sldMasterIdLst>
   <p:notesMasterIdLst>
-    <p:notesMasterId r:id="rId16"/>
+    <p:notesMasterId r:id="rId17"/>
   </p:notesMasterIdLst>
   <p:handoutMasterIdLst>
-    <p:handoutMasterId r:id="rId17"/>
+    <p:handoutMasterId r:id="rId18"/>
   </p:handoutMasterIdLst>
   <p:sldIdLst>
     <p:sldId id="256" r:id="rId2"/>
@@ -24,7 +24,8 @@
     <p:sldId id="278" r:id="rId12"/>
     <p:sldId id="279" r:id="rId13"/>
     <p:sldId id="280" r:id="rId14"/>
-    <p:sldId id="282" r:id="rId15"/>
+    <p:sldId id="283" r:id="rId15"/>
+    <p:sldId id="282" r:id="rId16"/>
   </p:sldIdLst>
   <p:sldSz cx="9144000" cy="6858000" type="screen4x3"/>
   <p:notesSz cx="6858000" cy="9144000"/>
@@ -3745,7 +3746,7 @@
           <a:p>
             <a:fld id="{BAA9633A-392A-4347-9D1C-FF5FFE9476B1}" type="slidenum">
               <a:rPr lang="en-US" smtClean="0"/>
-              <a:t>14</a:t>
+              <a:t>15</a:t>
             </a:fld>
             <a:endParaRPr lang="en-US"/>
           </a:p>
@@ -8100,7 +8101,9 @@
         </p:nvSpPr>
         <p:spPr/>
         <p:txBody>
-          <a:bodyPr/>
+          <a:bodyPr>
+            <a:normAutofit fontScale="92500" lnSpcReduction="10000"/>
+          </a:bodyPr>
           <a:lstStyle/>
           <a:p>
             <a:r>
@@ -8118,7 +8121,13 @@
           <a:p>
             <a:r>
               <a:rPr lang="de-DE" dirty="0"/>
-              <a:t>Amy Atwood, adviser</a:t>
+              <a:t>Amy Atwood, Ph.D, </a:t>
+            </a:r>
+          </a:p>
+          <a:p>
+            <a:r>
+              <a:rPr lang="de-DE" dirty="0"/>
+              <a:t>Senior Data Scientist – T-Mobile, Capstone adviser</a:t>
             </a:r>
             <a:endParaRPr lang="en-US" dirty="0"/>
           </a:p>
@@ -9147,6 +9156,119 @@
           <p:cNvPr id="2" name="Slide Number Placeholder 1">
             <a:extLst>
               <a:ext uri="{FF2B5EF4-FFF2-40B4-BE49-F238E27FC236}">
+                <a16:creationId xmlns:a16="http://schemas.microsoft.com/office/drawing/2014/main" id="{CE96D5FC-5F04-4F20-B8AD-2BEDB516AEDF}"/>
+              </a:ext>
+            </a:extLst>
+          </p:cNvPr>
+          <p:cNvSpPr>
+            <a:spLocks noGrp="1"/>
+          </p:cNvSpPr>
+          <p:nvPr>
+            <p:ph type="sldNum" sz="quarter" idx="12"/>
+          </p:nvPr>
+        </p:nvSpPr>
+        <p:spPr/>
+        <p:txBody>
+          <a:bodyPr/>
+          <a:lstStyle/>
+          <a:p>
+            <a:fld id="{38327683-8978-6B4B-9130-4A6A841F0549}" type="slidenum">
+              <a:rPr lang="en-US" smtClean="0"/>
+              <a:t>14</a:t>
+            </a:fld>
+            <a:endParaRPr lang="en-US"/>
+          </a:p>
+        </p:txBody>
+      </p:sp>
+      <p:sp>
+        <p:nvSpPr>
+          <p:cNvPr id="3" name="Rectangle 2">
+            <a:extLst>
+              <a:ext uri="{FF2B5EF4-FFF2-40B4-BE49-F238E27FC236}">
+                <a16:creationId xmlns:a16="http://schemas.microsoft.com/office/drawing/2014/main" id="{F721AB62-44BA-4F7E-A980-3DE3B4BA9EC1}"/>
+              </a:ext>
+            </a:extLst>
+          </p:cNvPr>
+          <p:cNvSpPr/>
+          <p:nvPr/>
+        </p:nvSpPr>
+        <p:spPr>
+          <a:xfrm>
+            <a:off x="0" y="0"/>
+            <a:ext cx="9144000" cy="6858000"/>
+          </a:xfrm>
+          <a:prstGeom prst="rect">
+            <a:avLst/>
+          </a:prstGeom>
+        </p:spPr>
+        <p:style>
+          <a:lnRef idx="2">
+            <a:schemeClr val="dk1">
+              <a:shade val="50000"/>
+            </a:schemeClr>
+          </a:lnRef>
+          <a:fillRef idx="1">
+            <a:schemeClr val="dk1"/>
+          </a:fillRef>
+          <a:effectRef idx="0">
+            <a:schemeClr val="dk1"/>
+          </a:effectRef>
+          <a:fontRef idx="minor">
+            <a:schemeClr val="lt1"/>
+          </a:fontRef>
+        </p:style>
+        <p:txBody>
+          <a:bodyPr rtlCol="0" anchor="ctr"/>
+          <a:lstStyle/>
+          <a:p>
+            <a:pPr algn="ctr"/>
+            <a:endParaRPr lang="en-US"/>
+          </a:p>
+        </p:txBody>
+      </p:sp>
+    </p:spTree>
+    <p:extLst>
+      <p:ext uri="{BB962C8B-B14F-4D97-AF65-F5344CB8AC3E}">
+        <p14:creationId xmlns:p14="http://schemas.microsoft.com/office/powerpoint/2010/main" val="2205057765"/>
+      </p:ext>
+    </p:extLst>
+  </p:cSld>
+  <p:clrMapOvr>
+    <a:masterClrMapping/>
+  </p:clrMapOvr>
+  <mc:AlternateContent xmlns:mc="http://schemas.openxmlformats.org/markup-compatibility/2006">
+    <mc:Choice xmlns:p14="http://schemas.microsoft.com/office/powerpoint/2010/main" Requires="p14">
+      <p:transition p14:dur="10"/>
+    </mc:Choice>
+    <mc:Fallback>
+      <p:transition/>
+    </mc:Fallback>
+  </mc:AlternateContent>
+</p:sld>
+</file>
+
+<file path=ppt/slides/slide15.xml><?xml version="1.0" encoding="utf-8"?>
+<p:sld xmlns:a="http://schemas.openxmlformats.org/drawingml/2006/main" xmlns:r="http://schemas.openxmlformats.org/officeDocument/2006/relationships" xmlns:p="http://schemas.openxmlformats.org/presentationml/2006/main">
+  <p:cSld>
+    <p:spTree>
+      <p:nvGrpSpPr>
+        <p:cNvPr id="1" name=""/>
+        <p:cNvGrpSpPr/>
+        <p:nvPr/>
+      </p:nvGrpSpPr>
+      <p:grpSpPr>
+        <a:xfrm>
+          <a:off x="0" y="0"/>
+          <a:ext cx="0" cy="0"/>
+          <a:chOff x="0" y="0"/>
+          <a:chExt cx="0" cy="0"/>
+        </a:xfrm>
+      </p:grpSpPr>
+      <p:sp>
+        <p:nvSpPr>
+          <p:cNvPr id="2" name="Slide Number Placeholder 1">
+            <a:extLst>
+              <a:ext uri="{FF2B5EF4-FFF2-40B4-BE49-F238E27FC236}">
                 <a16:creationId xmlns:a16="http://schemas.microsoft.com/office/drawing/2014/main" id="{131A56F2-271A-4A75-9D8E-6BBFC2AB93FF}"/>
               </a:ext>
             </a:extLst>
@@ -9165,7 +9287,7 @@
           <a:p>
             <a:fld id="{38327683-8978-6B4B-9130-4A6A841F0549}" type="slidenum">
               <a:rPr lang="en-US" smtClean="0"/>
-              <a:t>14</a:t>
+              <a:t>15</a:t>
             </a:fld>
             <a:endParaRPr lang="en-US"/>
           </a:p>
@@ -9211,12 +9333,12 @@
   <p:clrMapOvr>
     <a:masterClrMapping/>
   </p:clrMapOvr>
-  <mc:AlternateContent xmlns:mc="http://schemas.openxmlformats.org/markup-compatibility/2006" xmlns:p14="http://schemas.microsoft.com/office/powerpoint/2010/main">
-    <mc:Choice Requires="p14">
-      <p:transition p14:dur="0" advClick="0" advTm="15000"/>
+  <mc:AlternateContent xmlns:mc="http://schemas.openxmlformats.org/markup-compatibility/2006">
+    <mc:Choice xmlns:p14="http://schemas.microsoft.com/office/powerpoint/2010/main" Requires="p14">
+      <p:transition p14:dur="10"/>
     </mc:Choice>
-    <mc:Fallback xmlns="">
-      <p:transition advClick="0" advTm="15000"/>
+    <mc:Fallback>
+      <p:transition/>
     </mc:Fallback>
   </mc:AlternateContent>
 </p:sld>

--- a/Hayden_deAlford_Wittlin_AdversarialBiasPresentationFINAL7.17.20.pptx
+++ b/Hayden_deAlford_Wittlin_AdversarialBiasPresentationFINAL7.17.20.pptx
@@ -3823,7 +3823,7 @@
           <a:p>
             <a:r>
               <a:rPr lang="en-US" sz="1600" dirty="0"/>
-              <a:t>As the cartoon notes, over the last few years, the machine learning community is acknowledging BOTH the prevalence and consequence of bias and fairness in ML. </a:t>
+              <a:t>As the cartoon notes, over the last few years, the machine learning community has acknowledged BOTH the prevalence and consequence of bias in ML. </a:t>
             </a:r>
           </a:p>
           <a:p>
@@ -3922,7 +3922,7 @@
           <a:p>
             <a:r>
               <a:rPr lang="en-US" sz="1600" dirty="0"/>
-              <a:t>This graphic from the IBM fairness tool kit summarizes a machine learning process. Focus on the red circles I’ve added as key points where bias can have major impact. </a:t>
+              <a:t>This graphic from the IBM fairness tool kit summarizes a machine learning process. Focus on the red circles I’ve added as key points where bias has impact. </a:t>
             </a:r>
           </a:p>
           <a:p>
@@ -3954,7 +3954,7 @@
             </a:pPr>
             <a:r>
               <a:rPr lang="en-US" sz="1600" dirty="0"/>
-              <a:t>Bias in Algorithmic Process: when we select, create, tune models. </a:t>
+              <a:t>Bias in Algorithmic Process: when we select, create, and tune models. </a:t>
             </a:r>
           </a:p>
           <a:p>
@@ -3970,7 +3970,7 @@
             </a:pPr>
             <a:r>
               <a:rPr lang="en-US" sz="1600" dirty="0"/>
-              <a:t>Bias in Implementation: which I think of as related to people as this is where bias and fairness are most visible to the widest community.</a:t>
+              <a:t>Bias in Implementation: or the people part when implementing and using the model</a:t>
             </a:r>
           </a:p>
           <a:p>
@@ -4060,7 +4060,7 @@
           <a:p>
             <a:r>
               <a:rPr lang="en-US" sz="1600" dirty="0"/>
-              <a:t>During the ALGORITHMIC PROCESS, 3 additional points to intervene:</a:t>
+              <a:t>During the ALGORITHMIC PROCESS, there are 3 points to intervene:</a:t>
             </a:r>
           </a:p>
           <a:p>
@@ -4076,7 +4076,7 @@
             </a:pPr>
             <a:r>
               <a:rPr lang="en-US" sz="1600" dirty="0"/>
-              <a:t>Preprocessing, where modify the training data specifically</a:t>
+              <a:t>Preprocessing, where the training data can be modified</a:t>
             </a:r>
           </a:p>
           <a:p>
@@ -4086,7 +4086,7 @@
             </a:pPr>
             <a:r>
               <a:rPr lang="en-US" sz="1600" dirty="0"/>
-              <a:t>In Processing to modify learning algorithms to address bias by changing an objective function or imposing a new constraint. </a:t>
+              <a:t>In Processing, where bias can be addressed by changing an objective function or imposing a new constraint to the algorithm. </a:t>
             </a:r>
           </a:p>
           <a:p>
@@ -4096,7 +4096,7 @@
             </a:pPr>
             <a:r>
               <a:rPr lang="en-US" sz="1600" dirty="0"/>
-              <a:t>Or Postprocessing, when model training is complete but bias mitigation could be applied to the resulting predicted labels.</a:t>
+              <a:t>Or Postprocessing, where bias mitigation can be applied to the resulting predicted labels.</a:t>
             </a:r>
           </a:p>
           <a:p>
@@ -4108,7 +4108,7 @@
           <a:p>
             <a:r>
               <a:rPr lang="en-US" sz="1600" dirty="0"/>
-              <a:t>Of particular interest to this team is the IN PROCESS use of adversarial networks.</a:t>
+              <a:t>Of particular interest to our team is the IN PROCESS use of adversarial networks.</a:t>
             </a:r>
           </a:p>
           <a:p>
@@ -8390,12 +8390,12 @@
   <p:clrMapOvr>
     <a:masterClrMapping/>
   </p:clrMapOvr>
-  <mc:AlternateContent xmlns:mc="http://schemas.openxmlformats.org/markup-compatibility/2006" xmlns:p14="http://schemas.microsoft.com/office/powerpoint/2010/main">
-    <mc:Choice Requires="p14">
-      <p:transition p14:dur="10" advClick="0" advTm="25000"/>
+  <mc:AlternateContent xmlns:mc="http://schemas.openxmlformats.org/markup-compatibility/2006">
+    <mc:Choice xmlns:p14="http://schemas.microsoft.com/office/powerpoint/2010/main" Requires="p14">
+      <p:transition p14:dur="10" advClick="0" advTm="21000"/>
     </mc:Choice>
-    <mc:Fallback xmlns="">
-      <p:transition advClick="0" advTm="25000"/>
+    <mc:Fallback>
+      <p:transition advClick="0" advTm="21000"/>
     </mc:Fallback>
   </mc:AlternateContent>
 </p:sld>
@@ -8436,8 +8436,8 @@
         </p:nvSpPr>
         <p:spPr>
           <a:xfrm>
-            <a:off x="367863" y="365127"/>
-            <a:ext cx="8450316" cy="959176"/>
+            <a:off x="628650" y="332234"/>
+            <a:ext cx="7886700" cy="1325563"/>
           </a:xfrm>
         </p:spPr>
         <p:txBody>
@@ -8448,7 +8448,7 @@
           <a:p>
             <a:pPr algn="l"/>
             <a:r>
-              <a:rPr lang="en-US" sz="3200" dirty="0"/>
+              <a:rPr lang="en-US" sz="3000" dirty="0"/>
               <a:t>Experiment Results: Demographic Parity</a:t>
             </a:r>
           </a:p>
@@ -8465,10 +8465,6 @@
           </p:nvPr>
         </p:nvSpPr>
         <p:spPr>
-          <a:xfrm>
-            <a:off x="367863" y="1324303"/>
-            <a:ext cx="8345213" cy="4939863"/>
-          </a:xfrm>
           <a:ln>
             <a:solidFill>
               <a:srgbClr val="C00000"/>
@@ -8477,7 +8473,7 @@
         </p:spPr>
         <p:txBody>
           <a:bodyPr>
-            <a:normAutofit lnSpcReduction="10000"/>
+            <a:normAutofit fontScale="92500" lnSpcReduction="20000"/>
           </a:bodyPr>
           <a:lstStyle/>
           <a:p>
@@ -8695,7 +8691,7 @@
         </p:blipFill>
         <p:spPr>
           <a:xfrm>
-            <a:off x="579974" y="2380107"/>
+            <a:off x="611505" y="2636665"/>
             <a:ext cx="7920990" cy="1266982"/>
           </a:xfrm>
           <a:prstGeom prst="rect">
@@ -8718,12 +8714,12 @@
   <p:clrMapOvr>
     <a:masterClrMapping/>
   </p:clrMapOvr>
-  <mc:AlternateContent xmlns:mc="http://schemas.openxmlformats.org/markup-compatibility/2006" xmlns:p14="http://schemas.microsoft.com/office/powerpoint/2010/main">
-    <mc:Choice Requires="p14">
-      <p:transition p14:dur="10" advClick="0" advTm="25000"/>
+  <mc:AlternateContent xmlns:mc="http://schemas.openxmlformats.org/markup-compatibility/2006">
+    <mc:Choice xmlns:p14="http://schemas.microsoft.com/office/powerpoint/2010/main" Requires="p14">
+      <p:transition p14:dur="10" advClick="0" advTm="21000"/>
     </mc:Choice>
-    <mc:Fallback xmlns="">
-      <p:transition advClick="0" advTm="25000"/>
+    <mc:Fallback>
+      <p:transition advClick="0" advTm="21000"/>
     </mc:Fallback>
   </mc:AlternateContent>
 </p:sld>
@@ -8756,12 +8752,7 @@
             <p:ph type="title"/>
           </p:nvPr>
         </p:nvSpPr>
-        <p:spPr>
-          <a:xfrm>
-            <a:off x="628650" y="365126"/>
-            <a:ext cx="7886700" cy="568729"/>
-          </a:xfrm>
-        </p:spPr>
+        <p:spPr/>
         <p:txBody>
           <a:bodyPr>
             <a:noAutofit/>
@@ -8786,10 +8777,6 @@
           </p:nvPr>
         </p:nvSpPr>
         <p:spPr>
-          <a:xfrm>
-            <a:off x="391886" y="1382486"/>
-            <a:ext cx="8382000" cy="4399189"/>
-          </a:xfrm>
           <a:ln>
             <a:solidFill>
               <a:srgbClr val="C00000"/>
@@ -8923,12 +8910,12 @@
   <p:clrMapOvr>
     <a:masterClrMapping/>
   </p:clrMapOvr>
-  <mc:AlternateContent xmlns:mc="http://schemas.openxmlformats.org/markup-compatibility/2006" xmlns:p14="http://schemas.microsoft.com/office/powerpoint/2010/main">
-    <mc:Choice Requires="p14">
-      <p:transition p14:dur="10" advClick="0" advTm="25000"/>
+  <mc:AlternateContent xmlns:mc="http://schemas.openxmlformats.org/markup-compatibility/2006">
+    <mc:Choice xmlns:p14="http://schemas.microsoft.com/office/powerpoint/2010/main" Requires="p14">
+      <p:transition p14:dur="10" advClick="0" advTm="21000"/>
     </mc:Choice>
-    <mc:Fallback xmlns="">
-      <p:transition advClick="0" advTm="25000"/>
+    <mc:Fallback>
+      <p:transition advClick="0" advTm="21000"/>
     </mc:Fallback>
   </mc:AlternateContent>
 </p:sld>
@@ -9123,12 +9110,12 @@
   <p:clrMapOvr>
     <a:masterClrMapping/>
   </p:clrMapOvr>
-  <mc:AlternateContent xmlns:mc="http://schemas.openxmlformats.org/markup-compatibility/2006" xmlns:p14="http://schemas.microsoft.com/office/powerpoint/2010/main">
-    <mc:Choice Requires="p14">
-      <p:transition p14:dur="10" advClick="0" advTm="25000"/>
+  <mc:AlternateContent xmlns:mc="http://schemas.openxmlformats.org/markup-compatibility/2006">
+    <mc:Choice xmlns:p14="http://schemas.microsoft.com/office/powerpoint/2010/main" Requires="p14">
+      <p:transition p14:dur="10" advClick="0" advTm="21000"/>
     </mc:Choice>
-    <mc:Fallback xmlns="">
-      <p:transition advClick="0" advTm="25000"/>
+    <mc:Fallback>
+      <p:transition advClick="0" advTm="21000"/>
     </mc:Fallback>
   </mc:AlternateContent>
 </p:sld>
@@ -9238,10 +9225,10 @@
   </p:clrMapOvr>
   <mc:AlternateContent xmlns:mc="http://schemas.openxmlformats.org/markup-compatibility/2006">
     <mc:Choice xmlns:p14="http://schemas.microsoft.com/office/powerpoint/2010/main" Requires="p14">
-      <p:transition p14:dur="10"/>
+      <p:transition p14:dur="10" advTm="3000"/>
     </mc:Choice>
     <mc:Fallback>
-      <p:transition/>
+      <p:transition advTm="3000"/>
     </mc:Fallback>
   </mc:AlternateContent>
 </p:sld>
@@ -9333,11 +9320,11 @@
   <p:clrMapOvr>
     <a:masterClrMapping/>
   </p:clrMapOvr>
-  <mc:AlternateContent xmlns:mc="http://schemas.openxmlformats.org/markup-compatibility/2006">
-    <mc:Choice xmlns:p14="http://schemas.microsoft.com/office/powerpoint/2010/main" Requires="p14">
+  <mc:AlternateContent xmlns:mc="http://schemas.openxmlformats.org/markup-compatibility/2006" xmlns:p14="http://schemas.microsoft.com/office/powerpoint/2010/main">
+    <mc:Choice Requires="p14">
       <p:transition p14:dur="10"/>
     </mc:Choice>
-    <mc:Fallback>
+    <mc:Fallback xmlns="">
       <p:transition/>
     </mc:Fallback>
   </mc:AlternateContent>
@@ -9489,11 +9476,11 @@
   <p:clrMapOvr>
     <a:masterClrMapping/>
   </p:clrMapOvr>
-  <mc:AlternateContent xmlns:mc="http://schemas.openxmlformats.org/markup-compatibility/2006" xmlns:p14="http://schemas.microsoft.com/office/powerpoint/2010/main">
-    <mc:Choice Requires="p14">
+  <mc:AlternateContent xmlns:mc="http://schemas.openxmlformats.org/markup-compatibility/2006">
+    <mc:Choice xmlns:p14="http://schemas.microsoft.com/office/powerpoint/2010/main" Requires="p14">
       <p:transition p14:dur="10" advClick="0" advTm="25000"/>
     </mc:Choice>
-    <mc:Fallback xmlns="">
+    <mc:Fallback>
       <p:transition advClick="0" advTm="25000"/>
     </mc:Fallback>
   </mc:AlternateContent>
@@ -9865,6 +9852,44 @@
               </a:rPr>
               <a:t>PEOPLE</a:t>
             </a:r>
+          </a:p>
+        </p:txBody>
+      </p:sp>
+      <p:sp>
+        <p:nvSpPr>
+          <p:cNvPr id="3" name="TextBox 2">
+            <a:extLst>
+              <a:ext uri="{FF2B5EF4-FFF2-40B4-BE49-F238E27FC236}">
+                <a16:creationId xmlns:a16="http://schemas.microsoft.com/office/drawing/2014/main" id="{7C92B713-D808-4140-988B-66FD4DCCC40F}"/>
+              </a:ext>
+            </a:extLst>
+          </p:cNvPr>
+          <p:cNvSpPr txBox="1"/>
+          <p:nvPr/>
+        </p:nvSpPr>
+        <p:spPr>
+          <a:xfrm>
+            <a:off x="6709249" y="5919956"/>
+            <a:ext cx="2103774" cy="276999"/>
+          </a:xfrm>
+          <a:prstGeom prst="rect">
+            <a:avLst/>
+          </a:prstGeom>
+          <a:noFill/>
+        </p:spPr>
+        <p:txBody>
+          <a:bodyPr wrap="square" rtlCol="0">
+            <a:spAutoFit/>
+          </a:bodyPr>
+          <a:lstStyle/>
+          <a:p>
+            <a:r>
+              <a:rPr lang="en-US" sz="1200">
+                <a:hlinkClick r:id="rId4"/>
+              </a:rPr>
+              <a:t>https://aif360.mybluemix.net/</a:t>
+            </a:r>
+            <a:endParaRPr lang="en-US" sz="1200" dirty="0"/>
           </a:p>
         </p:txBody>
       </p:sp>
@@ -10762,12 +10787,12 @@
   <p:clrMapOvr>
     <a:masterClrMapping/>
   </p:clrMapOvr>
-  <mc:AlternateContent xmlns:mc="http://schemas.openxmlformats.org/markup-compatibility/2006" xmlns:p14="http://schemas.microsoft.com/office/powerpoint/2010/main">
-    <mc:Choice Requires="p14">
-      <p:transition p14:dur="10" advClick="0" advTm="20000"/>
+  <mc:AlternateContent xmlns:mc="http://schemas.openxmlformats.org/markup-compatibility/2006">
+    <mc:Choice xmlns:p14="http://schemas.microsoft.com/office/powerpoint/2010/main" Requires="p14">
+      <p:transition p14:dur="10" advClick="0" advTm="15000"/>
     </mc:Choice>
-    <mc:Fallback xmlns="">
-      <p:transition advClick="0" advTm="20000"/>
+    <mc:Fallback>
+      <p:transition advClick="0" advTm="15000"/>
     </mc:Fallback>
   </mc:AlternateContent>
 </p:sld>
@@ -12664,12 +12689,12 @@
   <p:clrMapOvr>
     <a:masterClrMapping/>
   </p:clrMapOvr>
-  <mc:AlternateContent xmlns:mc="http://schemas.openxmlformats.org/markup-compatibility/2006" xmlns:p14="http://schemas.microsoft.com/office/powerpoint/2010/main">
-    <mc:Choice Requires="p14">
-      <p:transition p14:dur="10" advClick="0" advTm="25000"/>
+  <mc:AlternateContent xmlns:mc="http://schemas.openxmlformats.org/markup-compatibility/2006">
+    <mc:Choice xmlns:p14="http://schemas.microsoft.com/office/powerpoint/2010/main" Requires="p14">
+      <p:transition p14:dur="10" advClick="0" advTm="21000"/>
     </mc:Choice>
-    <mc:Fallback xmlns="">
-      <p:transition advClick="0" advTm="25000"/>
+    <mc:Fallback>
+      <p:transition advClick="0" advTm="21000"/>
     </mc:Fallback>
   </mc:AlternateContent>
 </p:sld>

--- a/Hayden_deAlford_Wittlin_AdversarialBiasPresentationFINAL7.17.20.pptx
+++ b/Hayden_deAlford_Wittlin_AdversarialBiasPresentationFINAL7.17.20.pptx
@@ -4060,7 +4060,7 @@
           <a:p>
             <a:r>
               <a:rPr lang="en-US" sz="1600" dirty="0"/>
-              <a:t>During the ALGORITHMIC PROCESS, there are 3 points to intervene:</a:t>
+              <a:t>During the ALGORITHMIC PROCESS, there are 3 points to intervene to address bias:</a:t>
             </a:r>
           </a:p>
           <a:p>
@@ -8390,11 +8390,11 @@
   <p:clrMapOvr>
     <a:masterClrMapping/>
   </p:clrMapOvr>
-  <mc:AlternateContent xmlns:mc="http://schemas.openxmlformats.org/markup-compatibility/2006">
-    <mc:Choice xmlns:p14="http://schemas.microsoft.com/office/powerpoint/2010/main" Requires="p14">
+  <mc:AlternateContent xmlns:mc="http://schemas.openxmlformats.org/markup-compatibility/2006" xmlns:p14="http://schemas.microsoft.com/office/powerpoint/2010/main">
+    <mc:Choice Requires="p14">
       <p:transition p14:dur="10" advClick="0" advTm="21000"/>
     </mc:Choice>
-    <mc:Fallback>
+    <mc:Fallback xmlns="">
       <p:transition advClick="0" advTm="21000"/>
     </mc:Fallback>
   </mc:AlternateContent>
@@ -8714,11 +8714,11 @@
   <p:clrMapOvr>
     <a:masterClrMapping/>
   </p:clrMapOvr>
-  <mc:AlternateContent xmlns:mc="http://schemas.openxmlformats.org/markup-compatibility/2006">
-    <mc:Choice xmlns:p14="http://schemas.microsoft.com/office/powerpoint/2010/main" Requires="p14">
+  <mc:AlternateContent xmlns:mc="http://schemas.openxmlformats.org/markup-compatibility/2006" xmlns:p14="http://schemas.microsoft.com/office/powerpoint/2010/main">
+    <mc:Choice Requires="p14">
       <p:transition p14:dur="10" advClick="0" advTm="21000"/>
     </mc:Choice>
-    <mc:Fallback>
+    <mc:Fallback xmlns="">
       <p:transition advClick="0" advTm="21000"/>
     </mc:Fallback>
   </mc:AlternateContent>
@@ -8910,11 +8910,11 @@
   <p:clrMapOvr>
     <a:masterClrMapping/>
   </p:clrMapOvr>
-  <mc:AlternateContent xmlns:mc="http://schemas.openxmlformats.org/markup-compatibility/2006">
-    <mc:Choice xmlns:p14="http://schemas.microsoft.com/office/powerpoint/2010/main" Requires="p14">
+  <mc:AlternateContent xmlns:mc="http://schemas.openxmlformats.org/markup-compatibility/2006" xmlns:p14="http://schemas.microsoft.com/office/powerpoint/2010/main">
+    <mc:Choice Requires="p14">
       <p:transition p14:dur="10" advClick="0" advTm="21000"/>
     </mc:Choice>
-    <mc:Fallback>
+    <mc:Fallback xmlns="">
       <p:transition advClick="0" advTm="21000"/>
     </mc:Fallback>
   </mc:AlternateContent>
@@ -9110,11 +9110,11 @@
   <p:clrMapOvr>
     <a:masterClrMapping/>
   </p:clrMapOvr>
-  <mc:AlternateContent xmlns:mc="http://schemas.openxmlformats.org/markup-compatibility/2006">
-    <mc:Choice xmlns:p14="http://schemas.microsoft.com/office/powerpoint/2010/main" Requires="p14">
+  <mc:AlternateContent xmlns:mc="http://schemas.openxmlformats.org/markup-compatibility/2006" xmlns:p14="http://schemas.microsoft.com/office/powerpoint/2010/main">
+    <mc:Choice Requires="p14">
       <p:transition p14:dur="10" advClick="0" advTm="21000"/>
     </mc:Choice>
-    <mc:Fallback>
+    <mc:Fallback xmlns="">
       <p:transition advClick="0" advTm="21000"/>
     </mc:Fallback>
   </mc:AlternateContent>
@@ -9223,11 +9223,11 @@
   <p:clrMapOvr>
     <a:masterClrMapping/>
   </p:clrMapOvr>
-  <mc:AlternateContent xmlns:mc="http://schemas.openxmlformats.org/markup-compatibility/2006">
-    <mc:Choice xmlns:p14="http://schemas.microsoft.com/office/powerpoint/2010/main" Requires="p14">
+  <mc:AlternateContent xmlns:mc="http://schemas.openxmlformats.org/markup-compatibility/2006" xmlns:p14="http://schemas.microsoft.com/office/powerpoint/2010/main">
+    <mc:Choice Requires="p14">
       <p:transition p14:dur="10" advTm="3000"/>
     </mc:Choice>
-    <mc:Fallback>
+    <mc:Fallback xmlns="">
       <p:transition advTm="3000"/>
     </mc:Fallback>
   </mc:AlternateContent>
@@ -9476,11 +9476,11 @@
   <p:clrMapOvr>
     <a:masterClrMapping/>
   </p:clrMapOvr>
-  <mc:AlternateContent xmlns:mc="http://schemas.openxmlformats.org/markup-compatibility/2006">
-    <mc:Choice xmlns:p14="http://schemas.microsoft.com/office/powerpoint/2010/main" Requires="p14">
+  <mc:AlternateContent xmlns:mc="http://schemas.openxmlformats.org/markup-compatibility/2006" xmlns:p14="http://schemas.microsoft.com/office/powerpoint/2010/main">
+    <mc:Choice Requires="p14">
       <p:transition p14:dur="10" advClick="0" advTm="25000"/>
     </mc:Choice>
-    <mc:Fallback>
+    <mc:Fallback xmlns="">
       <p:transition advClick="0" advTm="25000"/>
     </mc:Fallback>
   </mc:AlternateContent>
@@ -10787,11 +10787,11 @@
   <p:clrMapOvr>
     <a:masterClrMapping/>
   </p:clrMapOvr>
-  <mc:AlternateContent xmlns:mc="http://schemas.openxmlformats.org/markup-compatibility/2006">
-    <mc:Choice xmlns:p14="http://schemas.microsoft.com/office/powerpoint/2010/main" Requires="p14">
+  <mc:AlternateContent xmlns:mc="http://schemas.openxmlformats.org/markup-compatibility/2006" xmlns:p14="http://schemas.microsoft.com/office/powerpoint/2010/main">
+    <mc:Choice Requires="p14">
       <p:transition p14:dur="10" advClick="0" advTm="15000"/>
     </mc:Choice>
-    <mc:Fallback>
+    <mc:Fallback xmlns="">
       <p:transition advClick="0" advTm="15000"/>
     </mc:Fallback>
   </mc:AlternateContent>
@@ -11027,6 +11027,90 @@
           <a:chExt cx="0" cy="0"/>
         </a:xfrm>
       </p:grpSpPr>
+      <p:pic>
+        <p:nvPicPr>
+          <p:cNvPr id="7" name="Picture 6" descr="A close up of a logo&#10;&#10;Description automatically generated">
+            <a:extLst>
+              <a:ext uri="{FF2B5EF4-FFF2-40B4-BE49-F238E27FC236}">
+                <a16:creationId xmlns:a16="http://schemas.microsoft.com/office/drawing/2014/main" id="{A1457A41-A57C-405F-A8F9-42C72D6AC82E}"/>
+              </a:ext>
+            </a:extLst>
+          </p:cNvPr>
+          <p:cNvPicPr>
+            <a:picLocks noChangeAspect="1"/>
+          </p:cNvPicPr>
+          <p:nvPr/>
+        </p:nvPicPr>
+        <p:blipFill>
+          <a:blip r:embed="rId3"/>
+          <a:stretch>
+            <a:fillRect/>
+          </a:stretch>
+        </p:blipFill>
+        <p:spPr>
+          <a:xfrm>
+            <a:off x="5263274" y="3578297"/>
+            <a:ext cx="3578217" cy="2684683"/>
+          </a:xfrm>
+          <a:prstGeom prst="rect">
+            <a:avLst/>
+          </a:prstGeom>
+        </p:spPr>
+      </p:pic>
+      <p:sp>
+        <p:nvSpPr>
+          <p:cNvPr id="6" name="Rectangle 5">
+            <a:extLst>
+              <a:ext uri="{FF2B5EF4-FFF2-40B4-BE49-F238E27FC236}">
+                <a16:creationId xmlns:a16="http://schemas.microsoft.com/office/drawing/2014/main" id="{767954BF-5DAA-47D2-99E1-B50588E1F24C}"/>
+              </a:ext>
+            </a:extLst>
+          </p:cNvPr>
+          <p:cNvSpPr/>
+          <p:nvPr/>
+        </p:nvSpPr>
+        <p:spPr>
+          <a:xfrm>
+            <a:off x="8316389" y="5279665"/>
+            <a:ext cx="326003" cy="95415"/>
+          </a:xfrm>
+          <a:prstGeom prst="rect">
+            <a:avLst/>
+          </a:prstGeom>
+          <a:solidFill>
+            <a:schemeClr val="bg1"/>
+          </a:solidFill>
+          <a:ln>
+            <a:solidFill>
+              <a:schemeClr val="bg1"/>
+            </a:solidFill>
+          </a:ln>
+        </p:spPr>
+        <p:style>
+          <a:lnRef idx="2">
+            <a:schemeClr val="accent1">
+              <a:shade val="50000"/>
+            </a:schemeClr>
+          </a:lnRef>
+          <a:fillRef idx="1">
+            <a:schemeClr val="accent1"/>
+          </a:fillRef>
+          <a:effectRef idx="0">
+            <a:schemeClr val="accent1"/>
+          </a:effectRef>
+          <a:fontRef idx="minor">
+            <a:schemeClr val="lt1"/>
+          </a:fontRef>
+        </p:style>
+        <p:txBody>
+          <a:bodyPr rtlCol="0" anchor="ctr"/>
+          <a:lstStyle/>
+          <a:p>
+            <a:pPr algn="ctr"/>
+            <a:endParaRPr lang="en-US"/>
+          </a:p>
+        </p:txBody>
+      </p:sp>
       <p:sp>
         <p:nvSpPr>
           <p:cNvPr id="2" name="Title 1"/>
@@ -12406,7 +12490,7 @@
                 <a:ext cx="7886700" cy="3816206"/>
               </a:xfrm>
               <a:blipFill>
-                <a:blip r:embed="rId3"/>
+                <a:blip r:embed="rId4"/>
                 <a:stretch>
                   <a:fillRect l="-1777" t="-3355" b="-9744"/>
                 </a:stretch>
@@ -12450,36 +12534,45 @@
           </a:p>
         </p:txBody>
       </p:sp>
-      <p:pic>
-        <p:nvPicPr>
-          <p:cNvPr id="7" name="Picture 6" descr="A close up of a logo&#10;&#10;Description automatically generated">
+      <p:sp>
+        <p:nvSpPr>
+          <p:cNvPr id="5" name="TextBox 4">
             <a:extLst>
               <a:ext uri="{FF2B5EF4-FFF2-40B4-BE49-F238E27FC236}">
-                <a16:creationId xmlns:a16="http://schemas.microsoft.com/office/drawing/2014/main" id="{A1457A41-A57C-405F-A8F9-42C72D6AC82E}"/>
+                <a16:creationId xmlns:a16="http://schemas.microsoft.com/office/drawing/2014/main" id="{FC92B016-F65D-4AAB-97ED-F5E77640B760}"/>
               </a:ext>
             </a:extLst>
           </p:cNvPr>
-          <p:cNvPicPr>
-            <a:picLocks noChangeAspect="1"/>
-          </p:cNvPicPr>
+          <p:cNvSpPr txBox="1"/>
           <p:nvPr/>
-        </p:nvPicPr>
-        <p:blipFill>
-          <a:blip r:embed="rId4"/>
-          <a:stretch>
-            <a:fillRect/>
-          </a:stretch>
-        </p:blipFill>
+        </p:nvSpPr>
         <p:spPr>
           <a:xfrm>
-            <a:off x="5263274" y="3578297"/>
-            <a:ext cx="3578217" cy="2684683"/>
+            <a:off x="8293210" y="5240185"/>
+            <a:ext cx="408729" cy="184666"/>
           </a:xfrm>
           <a:prstGeom prst="rect">
             <a:avLst/>
           </a:prstGeom>
+          <a:noFill/>
         </p:spPr>
-      </p:pic>
+        <p:txBody>
+          <a:bodyPr wrap="square" rtlCol="0">
+            <a:spAutoFit/>
+          </a:bodyPr>
+          <a:lstStyle/>
+          <a:p>
+            <a:pPr algn="ctr"/>
+            <a:r>
+              <a:rPr lang="en-US" sz="600" dirty="0">
+                <a:latin typeface="Arial" panose="020B0604020202020204" pitchFamily="34" charset="0"/>
+                <a:cs typeface="Arial" panose="020B0604020202020204" pitchFamily="34" charset="0"/>
+              </a:rPr>
+              <a:t>Linear</a:t>
+            </a:r>
+          </a:p>
+        </p:txBody>
+      </p:sp>
     </p:spTree>
     <p:extLst>
       <p:ext uri="{BB962C8B-B14F-4D97-AF65-F5344CB8AC3E}">
@@ -12689,11 +12782,11 @@
   <p:clrMapOvr>
     <a:masterClrMapping/>
   </p:clrMapOvr>
-  <mc:AlternateContent xmlns:mc="http://schemas.openxmlformats.org/markup-compatibility/2006">
-    <mc:Choice xmlns:p14="http://schemas.microsoft.com/office/powerpoint/2010/main" Requires="p14">
+  <mc:AlternateContent xmlns:mc="http://schemas.openxmlformats.org/markup-compatibility/2006" xmlns:p14="http://schemas.microsoft.com/office/powerpoint/2010/main">
+    <mc:Choice Requires="p14">
       <p:transition p14:dur="10" advClick="0" advTm="21000"/>
     </mc:Choice>
-    <mc:Fallback>
+    <mc:Fallback xmlns="">
       <p:transition advClick="0" advTm="21000"/>
     </mc:Fallback>
   </mc:AlternateContent>

--- a/Hayden_deAlford_Wittlin_AdversarialBiasPresentationFINAL7.17.20.pptx
+++ b/Hayden_deAlford_Wittlin_AdversarialBiasPresentationFINAL7.17.20.pptx
@@ -4394,7 +4394,7 @@
                 <a:ea typeface="+mn-ea"/>
                 <a:cs typeface="+mn-cs"/>
               </a:rPr>
-              <a:t>As you can see the data is unbalanced with yellow = they left. </a:t>
+              <a:t>As you can see the data is unbalanced with yellow meaning they left. </a:t>
             </a:r>
           </a:p>
           <a:p>
@@ -9282,10 +9282,10 @@
       </p:sp>
       <p:pic>
         <p:nvPicPr>
-          <p:cNvPr id="7" name="Picture 6">
+          <p:cNvPr id="3" name="Picture 2">
             <a:extLst>
               <a:ext uri="{FF2B5EF4-FFF2-40B4-BE49-F238E27FC236}">
-                <a16:creationId xmlns:a16="http://schemas.microsoft.com/office/drawing/2014/main" id="{3C12BE07-4877-4C1E-9296-8EB25DE7B925}"/>
+                <a16:creationId xmlns:a16="http://schemas.microsoft.com/office/drawing/2014/main" id="{03A29802-5EF9-4C56-AC46-24D42EB5CD8E}"/>
               </a:ext>
             </a:extLst>
           </p:cNvPr>
@@ -9302,8 +9302,8 @@
         </p:blipFill>
         <p:spPr>
           <a:xfrm>
-            <a:off x="0" y="0"/>
-            <a:ext cx="9144000" cy="6223819"/>
+            <a:off x="0" y="51847"/>
+            <a:ext cx="9144000" cy="6226405"/>
           </a:xfrm>
           <a:prstGeom prst="rect">
             <a:avLst/>
@@ -11027,36 +11027,6 @@
           <a:chExt cx="0" cy="0"/>
         </a:xfrm>
       </p:grpSpPr>
-      <p:pic>
-        <p:nvPicPr>
-          <p:cNvPr id="7" name="Picture 6" descr="A close up of a logo&#10;&#10;Description automatically generated">
-            <a:extLst>
-              <a:ext uri="{FF2B5EF4-FFF2-40B4-BE49-F238E27FC236}">
-                <a16:creationId xmlns:a16="http://schemas.microsoft.com/office/drawing/2014/main" id="{A1457A41-A57C-405F-A8F9-42C72D6AC82E}"/>
-              </a:ext>
-            </a:extLst>
-          </p:cNvPr>
-          <p:cNvPicPr>
-            <a:picLocks noChangeAspect="1"/>
-          </p:cNvPicPr>
-          <p:nvPr/>
-        </p:nvPicPr>
-        <p:blipFill>
-          <a:blip r:embed="rId3"/>
-          <a:stretch>
-            <a:fillRect/>
-          </a:stretch>
-        </p:blipFill>
-        <p:spPr>
-          <a:xfrm>
-            <a:off x="5263274" y="3578297"/>
-            <a:ext cx="3578217" cy="2684683"/>
-          </a:xfrm>
-          <a:prstGeom prst="rect">
-            <a:avLst/>
-          </a:prstGeom>
-        </p:spPr>
-      </p:pic>
       <p:sp>
         <p:nvSpPr>
           <p:cNvPr id="6" name="Rectangle 5">
@@ -12534,45 +12504,36 @@
           </a:p>
         </p:txBody>
       </p:sp>
-      <p:sp>
-        <p:nvSpPr>
-          <p:cNvPr id="5" name="TextBox 4">
+      <p:pic>
+        <p:nvPicPr>
+          <p:cNvPr id="9" name="Picture 8" descr="A close up of a logo&#10;&#10;Description automatically generated">
             <a:extLst>
               <a:ext uri="{FF2B5EF4-FFF2-40B4-BE49-F238E27FC236}">
-                <a16:creationId xmlns:a16="http://schemas.microsoft.com/office/drawing/2014/main" id="{FC92B016-F65D-4AAB-97ED-F5E77640B760}"/>
+                <a16:creationId xmlns:a16="http://schemas.microsoft.com/office/drawing/2014/main" id="{224347BD-686D-43D9-8407-1D772AA3FAE2}"/>
               </a:ext>
             </a:extLst>
           </p:cNvPr>
-          <p:cNvSpPr txBox="1"/>
+          <p:cNvPicPr>
+            <a:picLocks noChangeAspect="1"/>
+          </p:cNvPicPr>
           <p:nvPr/>
-        </p:nvSpPr>
+        </p:nvPicPr>
+        <p:blipFill>
+          <a:blip r:embed="rId5"/>
+          <a:stretch>
+            <a:fillRect/>
+          </a:stretch>
+        </p:blipFill>
         <p:spPr>
           <a:xfrm>
-            <a:off x="8293210" y="5240185"/>
-            <a:ext cx="408729" cy="184666"/>
+            <a:off x="5181510" y="3671668"/>
+            <a:ext cx="3578217" cy="2684683"/>
           </a:xfrm>
           <a:prstGeom prst="rect">
             <a:avLst/>
           </a:prstGeom>
-          <a:noFill/>
         </p:spPr>
-        <p:txBody>
-          <a:bodyPr wrap="square" rtlCol="0">
-            <a:spAutoFit/>
-          </a:bodyPr>
-          <a:lstStyle/>
-          <a:p>
-            <a:pPr algn="ctr"/>
-            <a:r>
-              <a:rPr lang="en-US" sz="600" dirty="0">
-                <a:latin typeface="Arial" panose="020B0604020202020204" pitchFamily="34" charset="0"/>
-                <a:cs typeface="Arial" panose="020B0604020202020204" pitchFamily="34" charset="0"/>
-              </a:rPr>
-              <a:t>Linear</a:t>
-            </a:r>
-          </a:p>
-        </p:txBody>
-      </p:sp>
+      </p:pic>
     </p:spTree>
     <p:extLst>
       <p:ext uri="{BB962C8B-B14F-4D97-AF65-F5344CB8AC3E}">
@@ -12583,12 +12544,12 @@
   <p:clrMapOvr>
     <a:masterClrMapping/>
   </p:clrMapOvr>
-  <mc:AlternateContent xmlns:mc="http://schemas.openxmlformats.org/markup-compatibility/2006" xmlns:p14="http://schemas.microsoft.com/office/powerpoint/2010/main">
-    <mc:Choice Requires="p14">
-      <p:transition p14:dur="10" advClick="0" advTm="45000"/>
+  <mc:AlternateContent xmlns:mc="http://schemas.openxmlformats.org/markup-compatibility/2006">
+    <mc:Choice xmlns:p14="http://schemas.microsoft.com/office/powerpoint/2010/main" Requires="p14">
+      <p:transition p14:dur="10" advClick="0" advTm="47000"/>
     </mc:Choice>
-    <mc:Fallback xmlns="">
-      <p:transition advClick="0" advTm="45000"/>
+    <mc:Fallback>
+      <p:transition advClick="0" advTm="47000"/>
     </mc:Fallback>
   </mc:AlternateContent>
 </p:sld>

--- a/Hayden_deAlford_Wittlin_AdversarialBiasPresentationFINAL7.17.20.pptx
+++ b/Hayden_deAlford_Wittlin_AdversarialBiasPresentationFINAL7.17.20.pptx
@@ -25,7 +25,7 @@
     <p:sldId id="279" r:id="rId13"/>
     <p:sldId id="280" r:id="rId14"/>
     <p:sldId id="283" r:id="rId15"/>
-    <p:sldId id="282" r:id="rId16"/>
+    <p:sldId id="284" r:id="rId16"/>
   </p:sldIdLst>
   <p:sldSz cx="9144000" cy="6858000" type="screen4x3"/>
   <p:notesSz cx="6858000" cy="9144000"/>
@@ -3681,90 +3681,6 @@
 </p:notes>
 </file>
 
-<file path=ppt/notesSlides/notesSlide14.xml><?xml version="1.0" encoding="utf-8"?>
-<p:notes xmlns:a="http://schemas.openxmlformats.org/drawingml/2006/main" xmlns:r="http://schemas.openxmlformats.org/officeDocument/2006/relationships" xmlns:p="http://schemas.openxmlformats.org/presentationml/2006/main">
-  <p:cSld>
-    <p:spTree>
-      <p:nvGrpSpPr>
-        <p:cNvPr id="1" name=""/>
-        <p:cNvGrpSpPr/>
-        <p:nvPr/>
-      </p:nvGrpSpPr>
-      <p:grpSpPr>
-        <a:xfrm>
-          <a:off x="0" y="0"/>
-          <a:ext cx="0" cy="0"/>
-          <a:chOff x="0" y="0"/>
-          <a:chExt cx="0" cy="0"/>
-        </a:xfrm>
-      </p:grpSpPr>
-      <p:sp>
-        <p:nvSpPr>
-          <p:cNvPr id="2" name="Slide Image Placeholder 1"/>
-          <p:cNvSpPr>
-            <a:spLocks noGrp="1" noRot="1" noChangeAspect="1"/>
-          </p:cNvSpPr>
-          <p:nvPr>
-            <p:ph type="sldImg"/>
-          </p:nvPr>
-        </p:nvSpPr>
-        <p:spPr/>
-      </p:sp>
-      <p:sp>
-        <p:nvSpPr>
-          <p:cNvPr id="3" name="Notes Placeholder 2"/>
-          <p:cNvSpPr>
-            <a:spLocks noGrp="1"/>
-          </p:cNvSpPr>
-          <p:nvPr>
-            <p:ph type="body" idx="1"/>
-          </p:nvPr>
-        </p:nvSpPr>
-        <p:spPr/>
-        <p:txBody>
-          <a:bodyPr/>
-          <a:lstStyle/>
-          <a:p>
-            <a:endParaRPr lang="en-US" dirty="0"/>
-          </a:p>
-        </p:txBody>
-      </p:sp>
-      <p:sp>
-        <p:nvSpPr>
-          <p:cNvPr id="4" name="Slide Number Placeholder 3"/>
-          <p:cNvSpPr>
-            <a:spLocks noGrp="1"/>
-          </p:cNvSpPr>
-          <p:nvPr>
-            <p:ph type="sldNum" sz="quarter" idx="5"/>
-          </p:nvPr>
-        </p:nvSpPr>
-        <p:spPr/>
-        <p:txBody>
-          <a:bodyPr/>
-          <a:lstStyle/>
-          <a:p>
-            <a:fld id="{BAA9633A-392A-4347-9D1C-FF5FFE9476B1}" type="slidenum">
-              <a:rPr lang="en-US" smtClean="0"/>
-              <a:t>15</a:t>
-            </a:fld>
-            <a:endParaRPr lang="en-US"/>
-          </a:p>
-        </p:txBody>
-      </p:sp>
-    </p:spTree>
-    <p:extLst>
-      <p:ext uri="{BB962C8B-B14F-4D97-AF65-F5344CB8AC3E}">
-        <p14:creationId xmlns:p14="http://schemas.microsoft.com/office/powerpoint/2010/main" val="3572070730"/>
-      </p:ext>
-    </p:extLst>
-  </p:cSld>
-  <p:clrMapOvr>
-    <a:masterClrMapping/>
-  </p:clrMapOvr>
-</p:notes>
-</file>
-
 <file path=ppt/notesSlides/notesSlide2.xml><?xml version="1.0" encoding="utf-8"?>
 <p:notes xmlns:a="http://schemas.openxmlformats.org/drawingml/2006/main" xmlns:r="http://schemas.openxmlformats.org/officeDocument/2006/relationships" xmlns:p="http://schemas.openxmlformats.org/presentationml/2006/main">
   <p:cSld>
@@ -3970,7 +3886,7 @@
             </a:pPr>
             <a:r>
               <a:rPr lang="en-US" sz="1600" dirty="0"/>
-              <a:t>Bias in Implementation: or the people part when implementing and using the model</a:t>
+              <a:t>Bias in Implementation: or the people part when implementing and using the model in the wild</a:t>
             </a:r>
           </a:p>
           <a:p>
@@ -9256,7 +9172,7 @@
           <p:cNvPr id="2" name="Slide Number Placeholder 1">
             <a:extLst>
               <a:ext uri="{FF2B5EF4-FFF2-40B4-BE49-F238E27FC236}">
-                <a16:creationId xmlns:a16="http://schemas.microsoft.com/office/drawing/2014/main" id="{131A56F2-271A-4A75-9D8E-6BBFC2AB93FF}"/>
+                <a16:creationId xmlns:a16="http://schemas.microsoft.com/office/drawing/2014/main" id="{7CA6F9FD-76FE-44A2-8BDB-3F0DB8B0528C}"/>
               </a:ext>
             </a:extLst>
           </p:cNvPr>
@@ -9282,10 +9198,10 @@
       </p:sp>
       <p:pic>
         <p:nvPicPr>
-          <p:cNvPr id="7" name="Picture 6">
+          <p:cNvPr id="4" name="Picture 3">
             <a:extLst>
               <a:ext uri="{FF2B5EF4-FFF2-40B4-BE49-F238E27FC236}">
-                <a16:creationId xmlns:a16="http://schemas.microsoft.com/office/drawing/2014/main" id="{3C12BE07-4877-4C1E-9296-8EB25DE7B925}"/>
+                <a16:creationId xmlns:a16="http://schemas.microsoft.com/office/drawing/2014/main" id="{E44834F6-964F-4602-978E-05CA20B540D0}"/>
               </a:ext>
             </a:extLst>
           </p:cNvPr>
@@ -9294,16 +9210,15 @@
           </p:cNvPicPr>
           <p:nvPr/>
         </p:nvPicPr>
-        <p:blipFill>
-          <a:blip r:embed="rId3"/>
-          <a:stretch>
-            <a:fillRect/>
-          </a:stretch>
+        <p:blipFill rotWithShape="1">
+          <a:blip r:embed="rId2"/>
+          <a:srcRect l="887" t="1338" r="726" b="951"/>
+          <a:stretch/>
         </p:blipFill>
         <p:spPr>
           <a:xfrm>
-            <a:off x="0" y="0"/>
-            <a:ext cx="9144000" cy="6223819"/>
+            <a:off x="73742" y="339214"/>
+            <a:ext cx="8996516" cy="5831679"/>
           </a:xfrm>
           <a:prstGeom prst="rect">
             <a:avLst/>
@@ -9313,7 +9228,7 @@
     </p:spTree>
     <p:extLst>
       <p:ext uri="{BB962C8B-B14F-4D97-AF65-F5344CB8AC3E}">
-        <p14:creationId xmlns:p14="http://schemas.microsoft.com/office/powerpoint/2010/main" val="2756546132"/>
+        <p14:creationId xmlns:p14="http://schemas.microsoft.com/office/powerpoint/2010/main" val="282112978"/>
       </p:ext>
     </p:extLst>
   </p:cSld>
@@ -9322,10 +9237,10 @@
   </p:clrMapOvr>
   <mc:AlternateContent xmlns:mc="http://schemas.openxmlformats.org/markup-compatibility/2006" xmlns:p14="http://schemas.microsoft.com/office/powerpoint/2010/main">
     <mc:Choice Requires="p14">
-      <p:transition p14:dur="10"/>
+      <p:transition p14:dur="0" advClick="0" advTm="15000"/>
     </mc:Choice>
     <mc:Fallback xmlns="">
-      <p:transition/>
+      <p:transition advClick="0" advTm="15000"/>
     </mc:Fallback>
   </mc:AlternateContent>
 </p:sld>
@@ -11027,36 +10942,6 @@
           <a:chExt cx="0" cy="0"/>
         </a:xfrm>
       </p:grpSpPr>
-      <p:pic>
-        <p:nvPicPr>
-          <p:cNvPr id="7" name="Picture 6" descr="A close up of a logo&#10;&#10;Description automatically generated">
-            <a:extLst>
-              <a:ext uri="{FF2B5EF4-FFF2-40B4-BE49-F238E27FC236}">
-                <a16:creationId xmlns:a16="http://schemas.microsoft.com/office/drawing/2014/main" id="{A1457A41-A57C-405F-A8F9-42C72D6AC82E}"/>
-              </a:ext>
-            </a:extLst>
-          </p:cNvPr>
-          <p:cNvPicPr>
-            <a:picLocks noChangeAspect="1"/>
-          </p:cNvPicPr>
-          <p:nvPr/>
-        </p:nvPicPr>
-        <p:blipFill>
-          <a:blip r:embed="rId3"/>
-          <a:stretch>
-            <a:fillRect/>
-          </a:stretch>
-        </p:blipFill>
-        <p:spPr>
-          <a:xfrm>
-            <a:off x="5263274" y="3578297"/>
-            <a:ext cx="3578217" cy="2684683"/>
-          </a:xfrm>
-          <a:prstGeom prst="rect">
-            <a:avLst/>
-          </a:prstGeom>
-        </p:spPr>
-      </p:pic>
       <p:sp>
         <p:nvSpPr>
           <p:cNvPr id="6" name="Rectangle 5">
@@ -12534,45 +12419,36 @@
           </a:p>
         </p:txBody>
       </p:sp>
-      <p:sp>
-        <p:nvSpPr>
-          <p:cNvPr id="5" name="TextBox 4">
+      <p:pic>
+        <p:nvPicPr>
+          <p:cNvPr id="9" name="Picture 8">
             <a:extLst>
               <a:ext uri="{FF2B5EF4-FFF2-40B4-BE49-F238E27FC236}">
-                <a16:creationId xmlns:a16="http://schemas.microsoft.com/office/drawing/2014/main" id="{FC92B016-F65D-4AAB-97ED-F5E77640B760}"/>
+                <a16:creationId xmlns:a16="http://schemas.microsoft.com/office/drawing/2014/main" id="{A2454AB2-B35B-4549-B0F1-98684BFCB2CD}"/>
               </a:ext>
             </a:extLst>
           </p:cNvPr>
-          <p:cNvSpPr txBox="1"/>
+          <p:cNvPicPr>
+            <a:picLocks noChangeAspect="1"/>
+          </p:cNvPicPr>
           <p:nvPr/>
-        </p:nvSpPr>
+        </p:nvPicPr>
+        <p:blipFill>
+          <a:blip r:embed="rId5"/>
+          <a:stretch>
+            <a:fillRect/>
+          </a:stretch>
+        </p:blipFill>
         <p:spPr>
           <a:xfrm>
-            <a:off x="8293210" y="5240185"/>
-            <a:ext cx="408729" cy="184666"/>
+            <a:off x="5153842" y="3578297"/>
+            <a:ext cx="3656205" cy="2743200"/>
           </a:xfrm>
           <a:prstGeom prst="rect">
             <a:avLst/>
           </a:prstGeom>
-          <a:noFill/>
         </p:spPr>
-        <p:txBody>
-          <a:bodyPr wrap="square" rtlCol="0">
-            <a:spAutoFit/>
-          </a:bodyPr>
-          <a:lstStyle/>
-          <a:p>
-            <a:pPr algn="ctr"/>
-            <a:r>
-              <a:rPr lang="en-US" sz="600" dirty="0">
-                <a:latin typeface="Arial" panose="020B0604020202020204" pitchFamily="34" charset="0"/>
-                <a:cs typeface="Arial" panose="020B0604020202020204" pitchFamily="34" charset="0"/>
-              </a:rPr>
-              <a:t>Linear</a:t>
-            </a:r>
-          </a:p>
-        </p:txBody>
-      </p:sp>
+      </p:pic>
     </p:spTree>
     <p:extLst>
       <p:ext uri="{BB962C8B-B14F-4D97-AF65-F5344CB8AC3E}">

--- a/Hayden_deAlford_Wittlin_AdversarialBiasPresentationFINAL7.17.20.pptx
+++ b/Hayden_deAlford_Wittlin_AdversarialBiasPresentationFINAL7.17.20.pptx
@@ -4310,7 +4310,7 @@
                 <a:ea typeface="+mn-ea"/>
                 <a:cs typeface="+mn-cs"/>
               </a:rPr>
-              <a:t>As you can see the data is unbalanced with yellow = they left. </a:t>
+              <a:t>As you can see the data is unbalanced with yellow meaning that they left. </a:t>
             </a:r>
           </a:p>
           <a:p>
@@ -10702,12 +10702,12 @@
   <p:clrMapOvr>
     <a:masterClrMapping/>
   </p:clrMapOvr>
-  <mc:AlternateContent xmlns:mc="http://schemas.openxmlformats.org/markup-compatibility/2006" xmlns:p14="http://schemas.microsoft.com/office/powerpoint/2010/main">
-    <mc:Choice Requires="p14">
-      <p:transition p14:dur="10" advClick="0" advTm="15000"/>
+  <mc:AlternateContent xmlns:mc="http://schemas.openxmlformats.org/markup-compatibility/2006">
+    <mc:Choice xmlns:p14="http://schemas.microsoft.com/office/powerpoint/2010/main" Requires="p14">
+      <p:transition p14:dur="10" advClick="0" advTm="13000"/>
     </mc:Choice>
-    <mc:Fallback xmlns="">
-      <p:transition advClick="0" advTm="15000"/>
+    <mc:Fallback>
+      <p:transition advClick="0" advTm="13000"/>
     </mc:Fallback>
   </mc:AlternateContent>
 </p:sld>
@@ -12459,12 +12459,12 @@
   <p:clrMapOvr>
     <a:masterClrMapping/>
   </p:clrMapOvr>
-  <mc:AlternateContent xmlns:mc="http://schemas.openxmlformats.org/markup-compatibility/2006" xmlns:p14="http://schemas.microsoft.com/office/powerpoint/2010/main">
-    <mc:Choice Requires="p14">
-      <p:transition p14:dur="10" advClick="0" advTm="45000"/>
+  <mc:AlternateContent xmlns:mc="http://schemas.openxmlformats.org/markup-compatibility/2006">
+    <mc:Choice xmlns:p14="http://schemas.microsoft.com/office/powerpoint/2010/main" Requires="p14">
+      <p:transition p14:dur="10" advClick="0" advTm="47000"/>
     </mc:Choice>
-    <mc:Fallback xmlns="">
-      <p:transition advClick="0" advTm="45000"/>
+    <mc:Fallback>
+      <p:transition advClick="0" advTm="47000"/>
     </mc:Fallback>
   </mc:AlternateContent>
 </p:sld>

--- a/Hayden_deAlford_Wittlin_AdversarialBiasPresentationFINAL7.17.20.pptx
+++ b/Hayden_deAlford_Wittlin_AdversarialBiasPresentationFINAL7.17.20.pptx
@@ -8306,12 +8306,12 @@
   <p:clrMapOvr>
     <a:masterClrMapping/>
   </p:clrMapOvr>
-  <mc:AlternateContent xmlns:mc="http://schemas.openxmlformats.org/markup-compatibility/2006" xmlns:p14="http://schemas.microsoft.com/office/powerpoint/2010/main">
-    <mc:Choice Requires="p14">
-      <p:transition p14:dur="10" advClick="0" advTm="21000"/>
+  <mc:AlternateContent xmlns:mc="http://schemas.openxmlformats.org/markup-compatibility/2006">
+    <mc:Choice xmlns:p14="http://schemas.microsoft.com/office/powerpoint/2010/main" Requires="p14">
+      <p:transition p14:dur="10" advClick="0" advTm="22000"/>
     </mc:Choice>
-    <mc:Fallback xmlns="">
-      <p:transition advClick="0" advTm="21000"/>
+    <mc:Fallback>
+      <p:transition advClick="0" advTm="22000"/>
     </mc:Fallback>
   </mc:AlternateContent>
 </p:sld>
@@ -8393,6 +8393,12 @@
           </a:bodyPr>
           <a:lstStyle/>
           <a:p>
+            <a:pPr marL="0" indent="0">
+              <a:buNone/>
+            </a:pPr>
+            <a:endParaRPr lang="en-US" sz="1800" b="1" dirty="0"/>
+          </a:p>
+          <a:p>
             <a:r>
               <a:rPr lang="en-US" sz="1800" b="1" dirty="0"/>
               <a:t>Demographic Parity (DP) is achieved when:</a:t>
@@ -8450,13 +8456,9 @@
             <a:endParaRPr lang="en-US" sz="1800" dirty="0"/>
           </a:p>
           <a:p>
-            <a:r>
-              <a:rPr lang="en-US" sz="1800" dirty="0"/>
-              <a:t>Fairness was compared across 7 age groups</a:t>
-            </a:r>
-            <a:br>
-              <a:rPr lang="en-US" sz="1800" dirty="0"/>
-            </a:br>
+            <a:pPr marL="0" indent="0">
+              <a:buNone/>
+            </a:pPr>
             <a:endParaRPr lang="en-US" sz="1800" dirty="0"/>
           </a:p>
           <a:p>
@@ -8499,7 +8501,7 @@
               <a:rPr lang="en-US" altLang="en-US" sz="1800" b="1" dirty="0">
                 <a:latin typeface="Arial" panose="020B0604020202020204" pitchFamily="34" charset="0"/>
               </a:rPr>
-              <a:t>Post-GAN</a:t>
+              <a:t>GAN</a:t>
             </a:r>
             <a:r>
               <a:rPr lang="en-US" altLang="en-US" sz="1800" dirty="0">
@@ -8521,7 +8523,7 @@
               <a:rPr lang="en-US" altLang="en-US" sz="1800" b="1" dirty="0">
                 <a:latin typeface="Arial" panose="020B0604020202020204" pitchFamily="34" charset="0"/>
               </a:rPr>
-              <a:t>Small trade-off between Accuracy and Fairness Post-GAN: </a:t>
+              <a:t>Small trade-off between Accuracy and Fairness GAN: </a:t>
             </a:r>
           </a:p>
           <a:p>
@@ -8607,8 +8609,8 @@
         </p:blipFill>
         <p:spPr>
           <a:xfrm>
-            <a:off x="611505" y="2636665"/>
-            <a:ext cx="7920990" cy="1266982"/>
+            <a:off x="702440" y="3009183"/>
+            <a:ext cx="7739119" cy="1237891"/>
           </a:xfrm>
           <a:prstGeom prst="rect">
             <a:avLst/>
@@ -8630,12 +8632,12 @@
   <p:clrMapOvr>
     <a:masterClrMapping/>
   </p:clrMapOvr>
-  <mc:AlternateContent xmlns:mc="http://schemas.openxmlformats.org/markup-compatibility/2006" xmlns:p14="http://schemas.microsoft.com/office/powerpoint/2010/main">
-    <mc:Choice Requires="p14">
-      <p:transition p14:dur="10" advClick="0" advTm="21000"/>
+  <mc:AlternateContent xmlns:mc="http://schemas.openxmlformats.org/markup-compatibility/2006">
+    <mc:Choice xmlns:p14="http://schemas.microsoft.com/office/powerpoint/2010/main" Requires="p14">
+      <p:transition p14:dur="10" advClick="0" advTm="22000"/>
     </mc:Choice>
-    <mc:Fallback xmlns="">
-      <p:transition advClick="0" advTm="21000"/>
+    <mc:Fallback>
+      <p:transition advClick="0" advTm="22000"/>
     </mc:Fallback>
   </mc:AlternateContent>
 </p:sld>
@@ -8705,53 +8707,37 @@
           </a:bodyPr>
           <a:lstStyle/>
           <a:p>
-            <a:r>
-              <a:rPr lang="en-US" sz="1800" dirty="0"/>
+            <a:endParaRPr lang="en-US" sz="1800" dirty="0"/>
+          </a:p>
+          <a:p>
+            <a:r>
+              <a:rPr lang="en-US" sz="2000" b="1" dirty="0"/>
+              <a:t>Most adversarial debiasing work focused </a:t>
+            </a:r>
+            <a:r>
+              <a:rPr lang="en-US" sz="2000" dirty="0"/>
+              <a:t>on protected groups such as race, sex and gender bias; we considered binned data</a:t>
+            </a:r>
+          </a:p>
+          <a:p>
+            <a:endParaRPr lang="en-US" sz="2000" dirty="0"/>
+          </a:p>
+          <a:p>
+            <a:r>
+              <a:rPr lang="en-US" sz="2000" dirty="0"/>
               <a:t>Achieved </a:t>
             </a:r>
             <a:r>
-              <a:rPr lang="en-US" sz="1800" b="1" dirty="0"/>
+              <a:rPr lang="en-US" sz="2000" b="1" dirty="0"/>
               <a:t>Demographic Parity </a:t>
             </a:r>
             <a:r>
-              <a:rPr lang="en-US" sz="1800" dirty="0"/>
+              <a:rPr lang="en-US" sz="2000" dirty="0"/>
               <a:t>based on results from a comparative analysis between the baseline model and the GAN model</a:t>
             </a:r>
           </a:p>
           <a:p>
-            <a:endParaRPr lang="en-US" sz="1800" dirty="0"/>
-          </a:p>
-          <a:p>
-            <a:r>
-              <a:rPr lang="en-US" sz="1800" dirty="0"/>
-              <a:t>A more balanced distribution across age groups in the data may have helped</a:t>
-            </a:r>
-            <a:br>
-              <a:rPr lang="en-US" sz="1800" dirty="0"/>
-            </a:br>
-            <a:endParaRPr lang="en-US" sz="1800" dirty="0"/>
-          </a:p>
-          <a:p>
-            <a:r>
-              <a:rPr lang="en-US" sz="1800" dirty="0"/>
-              <a:t>No significant pre-processing on the data</a:t>
-            </a:r>
-          </a:p>
-          <a:p>
-            <a:endParaRPr lang="en-US" sz="1800" dirty="0"/>
-          </a:p>
-          <a:p>
-            <a:r>
-              <a:rPr lang="en-US" sz="1800" b="1" dirty="0"/>
-              <a:t>Most adversarial debiasing work focused </a:t>
-            </a:r>
-            <a:r>
-              <a:rPr lang="en-US" sz="1800" dirty="0"/>
-              <a:t>on protected groups such as race, sex and gender bias</a:t>
-            </a:r>
-          </a:p>
-          <a:p>
-            <a:endParaRPr lang="en-US" sz="1800" dirty="0">
+            <a:endParaRPr lang="en-US" sz="2000" dirty="0">
               <a:solidFill>
                 <a:srgbClr val="C00000"/>
               </a:solidFill>
@@ -8759,7 +8745,7 @@
           </a:p>
           <a:p>
             <a:r>
-              <a:rPr lang="en-US" sz="1800" dirty="0">
+              <a:rPr lang="en-US" sz="2000" dirty="0">
                 <a:solidFill>
                   <a:srgbClr val="C00000"/>
                 </a:solidFill>
@@ -8767,7 +8753,7 @@
               <a:t>Our focus was on </a:t>
             </a:r>
             <a:r>
-              <a:rPr lang="en-US" sz="1800" u="sng" dirty="0">
+              <a:rPr lang="en-US" sz="2000" u="sng" dirty="0">
                 <a:solidFill>
                   <a:srgbClr val="C00000"/>
                 </a:solidFill>
@@ -8775,7 +8761,7 @@
               <a:t>Age debiasing</a:t>
             </a:r>
             <a:r>
-              <a:rPr lang="en-US" sz="1800" dirty="0">
+              <a:rPr lang="en-US" sz="2000" dirty="0">
                 <a:solidFill>
                   <a:srgbClr val="C00000"/>
                 </a:solidFill>
@@ -8783,7 +8769,7 @@
               <a:t>, and how age bias can be </a:t>
             </a:r>
             <a:r>
-              <a:rPr lang="en-US" sz="1800" u="sng" dirty="0">
+              <a:rPr lang="en-US" sz="2000" u="sng" dirty="0">
                 <a:solidFill>
                   <a:srgbClr val="C00000"/>
                 </a:solidFill>
@@ -9235,12 +9221,12 @@
   <p:clrMapOvr>
     <a:masterClrMapping/>
   </p:clrMapOvr>
-  <mc:AlternateContent xmlns:mc="http://schemas.openxmlformats.org/markup-compatibility/2006" xmlns:p14="http://schemas.microsoft.com/office/powerpoint/2010/main">
-    <mc:Choice Requires="p14">
-      <p:transition p14:dur="0" advClick="0" advTm="15000"/>
+  <mc:AlternateContent xmlns:mc="http://schemas.openxmlformats.org/markup-compatibility/2006">
+    <mc:Choice xmlns:p14="http://schemas.microsoft.com/office/powerpoint/2010/main" Requires="p14">
+      <p:transition p14:dur="10"/>
     </mc:Choice>
-    <mc:Fallback xmlns="">
-      <p:transition advClick="0" advTm="15000"/>
+    <mc:Fallback>
+      <p:transition/>
     </mc:Fallback>
   </mc:AlternateContent>
 </p:sld>
@@ -10702,11 +10688,11 @@
   <p:clrMapOvr>
     <a:masterClrMapping/>
   </p:clrMapOvr>
-  <mc:AlternateContent xmlns:mc="http://schemas.openxmlformats.org/markup-compatibility/2006">
-    <mc:Choice xmlns:p14="http://schemas.microsoft.com/office/powerpoint/2010/main" Requires="p14">
+  <mc:AlternateContent xmlns:mc="http://schemas.openxmlformats.org/markup-compatibility/2006" xmlns:p14="http://schemas.microsoft.com/office/powerpoint/2010/main">
+    <mc:Choice Requires="p14">
       <p:transition p14:dur="10" advClick="0" advTm="13000"/>
     </mc:Choice>
-    <mc:Fallback>
+    <mc:Fallback xmlns="">
       <p:transition advClick="0" advTm="13000"/>
     </mc:Fallback>
   </mc:AlternateContent>
@@ -12459,11 +12445,11 @@
   <p:clrMapOvr>
     <a:masterClrMapping/>
   </p:clrMapOvr>
-  <mc:AlternateContent xmlns:mc="http://schemas.openxmlformats.org/markup-compatibility/2006">
-    <mc:Choice xmlns:p14="http://schemas.microsoft.com/office/powerpoint/2010/main" Requires="p14">
+  <mc:AlternateContent xmlns:mc="http://schemas.openxmlformats.org/markup-compatibility/2006" xmlns:p14="http://schemas.microsoft.com/office/powerpoint/2010/main">
+    <mc:Choice Requires="p14">
       <p:transition p14:dur="10" advClick="0" advTm="47000"/>
     </mc:Choice>
-    <mc:Fallback>
+    <mc:Fallback xmlns="">
       <p:transition advClick="0" advTm="47000"/>
     </mc:Fallback>
   </mc:AlternateContent>
@@ -12658,12 +12644,12 @@
   <p:clrMapOvr>
     <a:masterClrMapping/>
   </p:clrMapOvr>
-  <mc:AlternateContent xmlns:mc="http://schemas.openxmlformats.org/markup-compatibility/2006" xmlns:p14="http://schemas.microsoft.com/office/powerpoint/2010/main">
-    <mc:Choice Requires="p14">
-      <p:transition p14:dur="10" advClick="0" advTm="21000"/>
+  <mc:AlternateContent xmlns:mc="http://schemas.openxmlformats.org/markup-compatibility/2006">
+    <mc:Choice xmlns:p14="http://schemas.microsoft.com/office/powerpoint/2010/main" Requires="p14">
+      <p:transition p14:dur="10" advClick="0" advTm="19000"/>
     </mc:Choice>
-    <mc:Fallback xmlns="">
-      <p:transition advClick="0" advTm="21000"/>
+    <mc:Fallback>
+      <p:transition advClick="0" advTm="19000"/>
     </mc:Fallback>
   </mc:AlternateContent>
 </p:sld>

--- a/Hayden_deAlford_Wittlin_AdversarialBiasPresentationFINAL7.17.20.pptx
+++ b/Hayden_deAlford_Wittlin_AdversarialBiasPresentationFINAL7.17.20.pptx
@@ -8306,11 +8306,11 @@
   <p:clrMapOvr>
     <a:masterClrMapping/>
   </p:clrMapOvr>
-  <mc:AlternateContent xmlns:mc="http://schemas.openxmlformats.org/markup-compatibility/2006">
-    <mc:Choice xmlns:p14="http://schemas.microsoft.com/office/powerpoint/2010/main" Requires="p14">
+  <mc:AlternateContent xmlns:mc="http://schemas.openxmlformats.org/markup-compatibility/2006" xmlns:p14="http://schemas.microsoft.com/office/powerpoint/2010/main">
+    <mc:Choice Requires="p14">
       <p:transition p14:dur="10" advClick="0" advTm="22000"/>
     </mc:Choice>
-    <mc:Fallback>
+    <mc:Fallback xmlns="">
       <p:transition advClick="0" advTm="22000"/>
     </mc:Fallback>
   </mc:AlternateContent>
@@ -8609,8 +8609,8 @@
         </p:blipFill>
         <p:spPr>
           <a:xfrm>
-            <a:off x="702440" y="3009183"/>
-            <a:ext cx="7739119" cy="1237891"/>
+            <a:off x="655545" y="3009183"/>
+            <a:ext cx="7826356" cy="1237891"/>
           </a:xfrm>
           <a:prstGeom prst="rect">
             <a:avLst/>
@@ -8632,11 +8632,11 @@
   <p:clrMapOvr>
     <a:masterClrMapping/>
   </p:clrMapOvr>
-  <mc:AlternateContent xmlns:mc="http://schemas.openxmlformats.org/markup-compatibility/2006">
-    <mc:Choice xmlns:p14="http://schemas.microsoft.com/office/powerpoint/2010/main" Requires="p14">
+  <mc:AlternateContent xmlns:mc="http://schemas.openxmlformats.org/markup-compatibility/2006" xmlns:p14="http://schemas.microsoft.com/office/powerpoint/2010/main">
+    <mc:Choice Requires="p14">
       <p:transition p14:dur="10" advClick="0" advTm="22000"/>
     </mc:Choice>
-    <mc:Fallback>
+    <mc:Fallback xmlns="">
       <p:transition advClick="0" advTm="22000"/>
     </mc:Fallback>
   </mc:AlternateContent>
@@ -9221,11 +9221,11 @@
   <p:clrMapOvr>
     <a:masterClrMapping/>
   </p:clrMapOvr>
-  <mc:AlternateContent xmlns:mc="http://schemas.openxmlformats.org/markup-compatibility/2006">
-    <mc:Choice xmlns:p14="http://schemas.microsoft.com/office/powerpoint/2010/main" Requires="p14">
+  <mc:AlternateContent xmlns:mc="http://schemas.openxmlformats.org/markup-compatibility/2006" xmlns:p14="http://schemas.microsoft.com/office/powerpoint/2010/main">
+    <mc:Choice Requires="p14">
       <p:transition p14:dur="10"/>
     </mc:Choice>
-    <mc:Fallback>
+    <mc:Fallback xmlns="">
       <p:transition/>
     </mc:Fallback>
   </mc:AlternateContent>
@@ -12644,11 +12644,11 @@
   <p:clrMapOvr>
     <a:masterClrMapping/>
   </p:clrMapOvr>
-  <mc:AlternateContent xmlns:mc="http://schemas.openxmlformats.org/markup-compatibility/2006">
-    <mc:Choice xmlns:p14="http://schemas.microsoft.com/office/powerpoint/2010/main" Requires="p14">
+  <mc:AlternateContent xmlns:mc="http://schemas.openxmlformats.org/markup-compatibility/2006" xmlns:p14="http://schemas.microsoft.com/office/powerpoint/2010/main">
+    <mc:Choice Requires="p14">
       <p:transition p14:dur="10" advClick="0" advTm="19000"/>
     </mc:Choice>
-    <mc:Fallback>
+    <mc:Fallback xmlns="">
       <p:transition advClick="0" advTm="19000"/>
     </mc:Fallback>
   </mc:AlternateContent>
